--- a/lecture-slides/2020-02-27-oop.pptx
+++ b/lecture-slides/2020-02-27-oop.pptx
@@ -5,22 +5,26 @@
     <p:sldMasterId id="2147483648" r:id="rId1"/>
   </p:sldMasterIdLst>
   <p:notesMasterIdLst>
-    <p:notesMasterId r:id="rId15"/>
+    <p:notesMasterId r:id="rId19"/>
   </p:notesMasterIdLst>
   <p:sldIdLst>
     <p:sldId id="305" r:id="rId2"/>
-    <p:sldId id="759" r:id="rId3"/>
-    <p:sldId id="757" r:id="rId4"/>
-    <p:sldId id="898" r:id="rId5"/>
-    <p:sldId id="911" r:id="rId6"/>
-    <p:sldId id="912" r:id="rId7"/>
-    <p:sldId id="913" r:id="rId8"/>
-    <p:sldId id="914" r:id="rId9"/>
-    <p:sldId id="915" r:id="rId10"/>
-    <p:sldId id="656" r:id="rId11"/>
-    <p:sldId id="917" r:id="rId12"/>
-    <p:sldId id="918" r:id="rId13"/>
-    <p:sldId id="662" r:id="rId14"/>
+    <p:sldId id="656" r:id="rId3"/>
+    <p:sldId id="920" r:id="rId4"/>
+    <p:sldId id="759" r:id="rId5"/>
+    <p:sldId id="757" r:id="rId6"/>
+    <p:sldId id="921" r:id="rId7"/>
+    <p:sldId id="919" r:id="rId8"/>
+    <p:sldId id="898" r:id="rId9"/>
+    <p:sldId id="911" r:id="rId10"/>
+    <p:sldId id="912" r:id="rId11"/>
+    <p:sldId id="913" r:id="rId12"/>
+    <p:sldId id="914" r:id="rId13"/>
+    <p:sldId id="915" r:id="rId14"/>
+    <p:sldId id="752" r:id="rId15"/>
+    <p:sldId id="922" r:id="rId16"/>
+    <p:sldId id="661" r:id="rId17"/>
+    <p:sldId id="662" r:id="rId18"/>
   </p:sldIdLst>
   <p:sldSz cx="12192000" cy="6858000"/>
   <p:notesSz cx="6858000" cy="9144000"/>
@@ -604,13 +608,7 @@
           <a:bodyPr/>
           <a:lstStyle/>
           <a:p>
-            <a:br>
-              <a:rPr lang="en-US" dirty="0"/>
-            </a:br>
-            <a:r>
-              <a:rPr lang="en-US" dirty="0"/>
-              <a:t>Grace period until Monday morning a 6am CT</a:t>
-            </a:r>
+            <a:endParaRPr lang="en-US" sz="1000" dirty="0"/>
           </a:p>
         </p:txBody>
       </p:sp>
@@ -621,7 +619,7 @@
             <a:spLocks noGrp="1"/>
           </p:cNvSpPr>
           <p:nvPr>
-            <p:ph type="sldNum" sz="quarter" idx="5"/>
+            <p:ph type="sldNum" sz="quarter" idx="10"/>
           </p:nvPr>
         </p:nvSpPr>
         <p:spPr/>
@@ -629,18 +627,18 @@
           <a:bodyPr/>
           <a:lstStyle/>
           <a:p>
-            <a:fld id="{35A4D32B-0177-4B34-AE20-6C72705619FE}" type="slidenum">
+            <a:fld id="{5394DE12-7B9B-46AA-AC19-C30A49928B9B}" type="slidenum">
               <a:rPr lang="en-US" smtClean="0"/>
               <a:t>10</a:t>
             </a:fld>
-            <a:endParaRPr lang="en-US"/>
+            <a:endParaRPr lang="en-US" dirty="0"/>
           </a:p>
         </p:txBody>
       </p:sp>
     </p:spTree>
     <p:extLst>
       <p:ext uri="{BB962C8B-B14F-4D97-AF65-F5344CB8AC3E}">
-        <p14:creationId xmlns:p14="http://schemas.microsoft.com/office/powerpoint/2010/main" val="672602316"/>
+        <p14:creationId xmlns:p14="http://schemas.microsoft.com/office/powerpoint/2010/main" val="1192607748"/>
       </p:ext>
     </p:extLst>
   </p:cSld>
@@ -694,13 +692,7 @@
           <a:bodyPr/>
           <a:lstStyle/>
           <a:p>
-            <a:br>
-              <a:rPr lang="en-US" dirty="0"/>
-            </a:br>
-            <a:r>
-              <a:rPr lang="en-US" dirty="0"/>
-              <a:t>Grace period until Monday morning a 6am CT</a:t>
-            </a:r>
+            <a:endParaRPr lang="en-US" sz="1000" dirty="0"/>
           </a:p>
         </p:txBody>
       </p:sp>
@@ -711,7 +703,7 @@
             <a:spLocks noGrp="1"/>
           </p:cNvSpPr>
           <p:nvPr>
-            <p:ph type="sldNum" sz="quarter" idx="5"/>
+            <p:ph type="sldNum" sz="quarter" idx="10"/>
           </p:nvPr>
         </p:nvSpPr>
         <p:spPr/>
@@ -719,18 +711,18 @@
           <a:bodyPr/>
           <a:lstStyle/>
           <a:p>
-            <a:fld id="{35A4D32B-0177-4B34-AE20-6C72705619FE}" type="slidenum">
+            <a:fld id="{5394DE12-7B9B-46AA-AC19-C30A49928B9B}" type="slidenum">
               <a:rPr lang="en-US" smtClean="0"/>
               <a:t>11</a:t>
             </a:fld>
-            <a:endParaRPr lang="en-US"/>
+            <a:endParaRPr lang="en-US" dirty="0"/>
           </a:p>
         </p:txBody>
       </p:sp>
     </p:spTree>
     <p:extLst>
       <p:ext uri="{BB962C8B-B14F-4D97-AF65-F5344CB8AC3E}">
-        <p14:creationId xmlns:p14="http://schemas.microsoft.com/office/powerpoint/2010/main" val="810835293"/>
+        <p14:creationId xmlns:p14="http://schemas.microsoft.com/office/powerpoint/2010/main" val="692693102"/>
       </p:ext>
     </p:extLst>
   </p:cSld>
@@ -814,7 +806,7 @@
     </p:spTree>
     <p:extLst>
       <p:ext uri="{BB962C8B-B14F-4D97-AF65-F5344CB8AC3E}">
-        <p14:creationId xmlns:p14="http://schemas.microsoft.com/office/powerpoint/2010/main" val="2681740051"/>
+        <p14:creationId xmlns:p14="http://schemas.microsoft.com/office/powerpoint/2010/main" val="1460508810"/>
       </p:ext>
     </p:extLst>
   </p:cSld>
@@ -868,7 +860,7 @@
           <a:bodyPr/>
           <a:lstStyle/>
           <a:p>
-            <a:endParaRPr lang="en-US" dirty="0"/>
+            <a:endParaRPr lang="en-US" sz="1000" dirty="0"/>
           </a:p>
         </p:txBody>
       </p:sp>
@@ -890,6 +882,348 @@
             <a:fld id="{5394DE12-7B9B-46AA-AC19-C30A49928B9B}" type="slidenum">
               <a:rPr lang="en-US" smtClean="0"/>
               <a:t>13</a:t>
+            </a:fld>
+            <a:endParaRPr lang="en-US" dirty="0"/>
+          </a:p>
+        </p:txBody>
+      </p:sp>
+    </p:spTree>
+    <p:extLst>
+      <p:ext uri="{BB962C8B-B14F-4D97-AF65-F5344CB8AC3E}">
+        <p14:creationId xmlns:p14="http://schemas.microsoft.com/office/powerpoint/2010/main" val="438824734"/>
+      </p:ext>
+    </p:extLst>
+  </p:cSld>
+  <p:clrMapOvr>
+    <a:masterClrMapping/>
+  </p:clrMapOvr>
+</p:notes>
+</file>
+
+<file path=ppt/notesSlides/notesSlide14.xml><?xml version="1.0" encoding="utf-8"?>
+<p:notes xmlns:a="http://schemas.openxmlformats.org/drawingml/2006/main" xmlns:r="http://schemas.openxmlformats.org/officeDocument/2006/relationships" xmlns:p="http://schemas.openxmlformats.org/presentationml/2006/main">
+  <p:cSld>
+    <p:spTree>
+      <p:nvGrpSpPr>
+        <p:cNvPr id="1" name=""/>
+        <p:cNvGrpSpPr/>
+        <p:nvPr/>
+      </p:nvGrpSpPr>
+      <p:grpSpPr>
+        <a:xfrm>
+          <a:off x="0" y="0"/>
+          <a:ext cx="0" cy="0"/>
+          <a:chOff x="0" y="0"/>
+          <a:chExt cx="0" cy="0"/>
+        </a:xfrm>
+      </p:grpSpPr>
+      <p:sp>
+        <p:nvSpPr>
+          <p:cNvPr id="2" name="Slide Image Placeholder 1"/>
+          <p:cNvSpPr>
+            <a:spLocks noGrp="1" noRot="1" noChangeAspect="1"/>
+          </p:cNvSpPr>
+          <p:nvPr>
+            <p:ph type="sldImg"/>
+          </p:nvPr>
+        </p:nvSpPr>
+        <p:spPr/>
+      </p:sp>
+      <p:sp>
+        <p:nvSpPr>
+          <p:cNvPr id="3" name="Notes Placeholder 2"/>
+          <p:cNvSpPr>
+            <a:spLocks noGrp="1"/>
+          </p:cNvSpPr>
+          <p:nvPr>
+            <p:ph type="body" idx="1"/>
+          </p:nvPr>
+        </p:nvSpPr>
+        <p:spPr/>
+        <p:txBody>
+          <a:bodyPr/>
+          <a:lstStyle/>
+          <a:p>
+            <a:endParaRPr lang="en-US" dirty="0"/>
+          </a:p>
+        </p:txBody>
+      </p:sp>
+      <p:sp>
+        <p:nvSpPr>
+          <p:cNvPr id="4" name="Slide Number Placeholder 3"/>
+          <p:cNvSpPr>
+            <a:spLocks noGrp="1"/>
+          </p:cNvSpPr>
+          <p:nvPr>
+            <p:ph type="sldNum" sz="quarter" idx="10"/>
+          </p:nvPr>
+        </p:nvSpPr>
+        <p:spPr/>
+        <p:txBody>
+          <a:bodyPr/>
+          <a:lstStyle/>
+          <a:p>
+            <a:fld id="{5394DE12-7B9B-46AA-AC19-C30A49928B9B}" type="slidenum">
+              <a:rPr lang="en-US" smtClean="0"/>
+              <a:t>14</a:t>
+            </a:fld>
+            <a:endParaRPr lang="en-US" dirty="0"/>
+          </a:p>
+        </p:txBody>
+      </p:sp>
+    </p:spTree>
+    <p:extLst>
+      <p:ext uri="{BB962C8B-B14F-4D97-AF65-F5344CB8AC3E}">
+        <p14:creationId xmlns:p14="http://schemas.microsoft.com/office/powerpoint/2010/main" val="2485745282"/>
+      </p:ext>
+    </p:extLst>
+  </p:cSld>
+  <p:clrMapOvr>
+    <a:masterClrMapping/>
+  </p:clrMapOvr>
+</p:notes>
+</file>
+
+<file path=ppt/notesSlides/notesSlide15.xml><?xml version="1.0" encoding="utf-8"?>
+<p:notes xmlns:a="http://schemas.openxmlformats.org/drawingml/2006/main" xmlns:r="http://schemas.openxmlformats.org/officeDocument/2006/relationships" xmlns:p="http://schemas.openxmlformats.org/presentationml/2006/main">
+  <p:cSld>
+    <p:spTree>
+      <p:nvGrpSpPr>
+        <p:cNvPr id="1" name=""/>
+        <p:cNvGrpSpPr/>
+        <p:nvPr/>
+      </p:nvGrpSpPr>
+      <p:grpSpPr>
+        <a:xfrm>
+          <a:off x="0" y="0"/>
+          <a:ext cx="0" cy="0"/>
+          <a:chOff x="0" y="0"/>
+          <a:chExt cx="0" cy="0"/>
+        </a:xfrm>
+      </p:grpSpPr>
+      <p:sp>
+        <p:nvSpPr>
+          <p:cNvPr id="2" name="Slide Image Placeholder 1"/>
+          <p:cNvSpPr>
+            <a:spLocks noGrp="1" noRot="1" noChangeAspect="1"/>
+          </p:cNvSpPr>
+          <p:nvPr>
+            <p:ph type="sldImg"/>
+          </p:nvPr>
+        </p:nvSpPr>
+        <p:spPr/>
+      </p:sp>
+      <p:sp>
+        <p:nvSpPr>
+          <p:cNvPr id="3" name="Notes Placeholder 2"/>
+          <p:cNvSpPr>
+            <a:spLocks noGrp="1"/>
+          </p:cNvSpPr>
+          <p:nvPr>
+            <p:ph type="body" idx="1"/>
+          </p:nvPr>
+        </p:nvSpPr>
+        <p:spPr/>
+        <p:txBody>
+          <a:bodyPr/>
+          <a:lstStyle/>
+          <a:p>
+            <a:br>
+              <a:rPr lang="en-US" dirty="0"/>
+            </a:br>
+            <a:r>
+              <a:rPr lang="en-US" dirty="0"/>
+              <a:t>Grace period until Monday morning a 6am CT</a:t>
+            </a:r>
+          </a:p>
+        </p:txBody>
+      </p:sp>
+      <p:sp>
+        <p:nvSpPr>
+          <p:cNvPr id="4" name="Slide Number Placeholder 3"/>
+          <p:cNvSpPr>
+            <a:spLocks noGrp="1"/>
+          </p:cNvSpPr>
+          <p:nvPr>
+            <p:ph type="sldNum" sz="quarter" idx="5"/>
+          </p:nvPr>
+        </p:nvSpPr>
+        <p:spPr/>
+        <p:txBody>
+          <a:bodyPr/>
+          <a:lstStyle/>
+          <a:p>
+            <a:fld id="{35A4D32B-0177-4B34-AE20-6C72705619FE}" type="slidenum">
+              <a:rPr lang="en-US" smtClean="0"/>
+              <a:t>15</a:t>
+            </a:fld>
+            <a:endParaRPr lang="en-US"/>
+          </a:p>
+        </p:txBody>
+      </p:sp>
+    </p:spTree>
+    <p:extLst>
+      <p:ext uri="{BB962C8B-B14F-4D97-AF65-F5344CB8AC3E}">
+        <p14:creationId xmlns:p14="http://schemas.microsoft.com/office/powerpoint/2010/main" val="511140368"/>
+      </p:ext>
+    </p:extLst>
+  </p:cSld>
+  <p:clrMapOvr>
+    <a:masterClrMapping/>
+  </p:clrMapOvr>
+</p:notes>
+</file>
+
+<file path=ppt/notesSlides/notesSlide16.xml><?xml version="1.0" encoding="utf-8"?>
+<p:notes xmlns:a="http://schemas.openxmlformats.org/drawingml/2006/main" xmlns:r="http://schemas.openxmlformats.org/officeDocument/2006/relationships" xmlns:p="http://schemas.openxmlformats.org/presentationml/2006/main">
+  <p:cSld>
+    <p:spTree>
+      <p:nvGrpSpPr>
+        <p:cNvPr id="1" name=""/>
+        <p:cNvGrpSpPr/>
+        <p:nvPr/>
+      </p:nvGrpSpPr>
+      <p:grpSpPr>
+        <a:xfrm>
+          <a:off x="0" y="0"/>
+          <a:ext cx="0" cy="0"/>
+          <a:chOff x="0" y="0"/>
+          <a:chExt cx="0" cy="0"/>
+        </a:xfrm>
+      </p:grpSpPr>
+      <p:sp>
+        <p:nvSpPr>
+          <p:cNvPr id="2" name="Slide Image Placeholder 1"/>
+          <p:cNvSpPr>
+            <a:spLocks noGrp="1" noRot="1" noChangeAspect="1"/>
+          </p:cNvSpPr>
+          <p:nvPr>
+            <p:ph type="sldImg"/>
+          </p:nvPr>
+        </p:nvSpPr>
+        <p:spPr/>
+      </p:sp>
+      <p:sp>
+        <p:nvSpPr>
+          <p:cNvPr id="3" name="Notes Placeholder 2"/>
+          <p:cNvSpPr>
+            <a:spLocks noGrp="1"/>
+          </p:cNvSpPr>
+          <p:nvPr>
+            <p:ph type="body" idx="1"/>
+          </p:nvPr>
+        </p:nvSpPr>
+        <p:spPr/>
+        <p:txBody>
+          <a:bodyPr/>
+          <a:lstStyle/>
+          <a:p>
+            <a:endParaRPr lang="en-US" sz="1000" dirty="0"/>
+          </a:p>
+        </p:txBody>
+      </p:sp>
+      <p:sp>
+        <p:nvSpPr>
+          <p:cNvPr id="4" name="Slide Number Placeholder 3"/>
+          <p:cNvSpPr>
+            <a:spLocks noGrp="1"/>
+          </p:cNvSpPr>
+          <p:nvPr>
+            <p:ph type="sldNum" sz="quarter" idx="10"/>
+          </p:nvPr>
+        </p:nvSpPr>
+        <p:spPr/>
+        <p:txBody>
+          <a:bodyPr/>
+          <a:lstStyle/>
+          <a:p>
+            <a:fld id="{5394DE12-7B9B-46AA-AC19-C30A49928B9B}" type="slidenum">
+              <a:rPr lang="en-US" smtClean="0"/>
+              <a:t>16</a:t>
+            </a:fld>
+            <a:endParaRPr lang="en-US" dirty="0"/>
+          </a:p>
+        </p:txBody>
+      </p:sp>
+    </p:spTree>
+    <p:extLst>
+      <p:ext uri="{BB962C8B-B14F-4D97-AF65-F5344CB8AC3E}">
+        <p14:creationId xmlns:p14="http://schemas.microsoft.com/office/powerpoint/2010/main" val="800117979"/>
+      </p:ext>
+    </p:extLst>
+  </p:cSld>
+  <p:clrMapOvr>
+    <a:masterClrMapping/>
+  </p:clrMapOvr>
+</p:notes>
+</file>
+
+<file path=ppt/notesSlides/notesSlide17.xml><?xml version="1.0" encoding="utf-8"?>
+<p:notes xmlns:a="http://schemas.openxmlformats.org/drawingml/2006/main" xmlns:r="http://schemas.openxmlformats.org/officeDocument/2006/relationships" xmlns:p="http://schemas.openxmlformats.org/presentationml/2006/main">
+  <p:cSld>
+    <p:spTree>
+      <p:nvGrpSpPr>
+        <p:cNvPr id="1" name=""/>
+        <p:cNvGrpSpPr/>
+        <p:nvPr/>
+      </p:nvGrpSpPr>
+      <p:grpSpPr>
+        <a:xfrm>
+          <a:off x="0" y="0"/>
+          <a:ext cx="0" cy="0"/>
+          <a:chOff x="0" y="0"/>
+          <a:chExt cx="0" cy="0"/>
+        </a:xfrm>
+      </p:grpSpPr>
+      <p:sp>
+        <p:nvSpPr>
+          <p:cNvPr id="2" name="Slide Image Placeholder 1"/>
+          <p:cNvSpPr>
+            <a:spLocks noGrp="1" noRot="1" noChangeAspect="1"/>
+          </p:cNvSpPr>
+          <p:nvPr>
+            <p:ph type="sldImg"/>
+          </p:nvPr>
+        </p:nvSpPr>
+        <p:spPr/>
+      </p:sp>
+      <p:sp>
+        <p:nvSpPr>
+          <p:cNvPr id="3" name="Notes Placeholder 2"/>
+          <p:cNvSpPr>
+            <a:spLocks noGrp="1"/>
+          </p:cNvSpPr>
+          <p:nvPr>
+            <p:ph type="body" idx="1"/>
+          </p:nvPr>
+        </p:nvSpPr>
+        <p:spPr/>
+        <p:txBody>
+          <a:bodyPr/>
+          <a:lstStyle/>
+          <a:p>
+            <a:endParaRPr lang="en-US" dirty="0"/>
+          </a:p>
+        </p:txBody>
+      </p:sp>
+      <p:sp>
+        <p:nvSpPr>
+          <p:cNvPr id="4" name="Slide Number Placeholder 3"/>
+          <p:cNvSpPr>
+            <a:spLocks noGrp="1"/>
+          </p:cNvSpPr>
+          <p:nvPr>
+            <p:ph type="sldNum" sz="quarter" idx="10"/>
+          </p:nvPr>
+        </p:nvSpPr>
+        <p:spPr/>
+        <p:txBody>
+          <a:bodyPr/>
+          <a:lstStyle/>
+          <a:p>
+            <a:fld id="{5394DE12-7B9B-46AA-AC19-C30A49928B9B}" type="slidenum">
+              <a:rPr lang="en-US" smtClean="0"/>
+              <a:t>17</a:t>
             </a:fld>
             <a:endParaRPr lang="en-US" dirty="0"/>
           </a:p>
@@ -952,15 +1286,13 @@
           <a:bodyPr/>
           <a:lstStyle/>
           <a:p>
-            <a:endParaRPr lang="en-US" sz="1200" kern="1200" dirty="0">
-              <a:solidFill>
-                <a:schemeClr val="tx1"/>
-              </a:solidFill>
-              <a:effectLst/>
-              <a:latin typeface="+mn-lt"/>
-              <a:ea typeface="+mn-ea"/>
-              <a:cs typeface="+mn-cs"/>
-            </a:endParaRPr>
+            <a:br>
+              <a:rPr lang="en-US" dirty="0"/>
+            </a:br>
+            <a:r>
+              <a:rPr lang="en-US" dirty="0"/>
+              <a:t>Grace period until Monday morning a 6am CT</a:t>
+            </a:r>
           </a:p>
         </p:txBody>
       </p:sp>
@@ -990,7 +1322,7 @@
     </p:spTree>
     <p:extLst>
       <p:ext uri="{BB962C8B-B14F-4D97-AF65-F5344CB8AC3E}">
-        <p14:creationId xmlns:p14="http://schemas.microsoft.com/office/powerpoint/2010/main" val="3370124405"/>
+        <p14:creationId xmlns:p14="http://schemas.microsoft.com/office/powerpoint/2010/main" val="672602316"/>
       </p:ext>
     </p:extLst>
   </p:cSld>
@@ -1074,7 +1406,7 @@
     </p:spTree>
     <p:extLst>
       <p:ext uri="{BB962C8B-B14F-4D97-AF65-F5344CB8AC3E}">
-        <p14:creationId xmlns:p14="http://schemas.microsoft.com/office/powerpoint/2010/main" val="2884915907"/>
+        <p14:creationId xmlns:p14="http://schemas.microsoft.com/office/powerpoint/2010/main" val="3452722985"/>
       </p:ext>
     </p:extLst>
   </p:cSld>
@@ -1128,7 +1460,15 @@
           <a:bodyPr/>
           <a:lstStyle/>
           <a:p>
-            <a:endParaRPr lang="en-US" sz="1000" dirty="0"/>
+            <a:endParaRPr lang="en-US" sz="1200" kern="1200" dirty="0">
+              <a:solidFill>
+                <a:schemeClr val="tx1"/>
+              </a:solidFill>
+              <a:effectLst/>
+              <a:latin typeface="+mn-lt"/>
+              <a:ea typeface="+mn-ea"/>
+              <a:cs typeface="+mn-cs"/>
+            </a:endParaRPr>
           </a:p>
         </p:txBody>
       </p:sp>
@@ -1139,7 +1479,7 @@
             <a:spLocks noGrp="1"/>
           </p:cNvSpPr>
           <p:nvPr>
-            <p:ph type="sldNum" sz="quarter" idx="10"/>
+            <p:ph type="sldNum" sz="quarter" idx="5"/>
           </p:nvPr>
         </p:nvSpPr>
         <p:spPr/>
@@ -1147,18 +1487,18 @@
           <a:bodyPr/>
           <a:lstStyle/>
           <a:p>
-            <a:fld id="{5394DE12-7B9B-46AA-AC19-C30A49928B9B}" type="slidenum">
+            <a:fld id="{35A4D32B-0177-4B34-AE20-6C72705619FE}" type="slidenum">
               <a:rPr lang="en-US" smtClean="0"/>
               <a:t>4</a:t>
             </a:fld>
-            <a:endParaRPr lang="en-US" dirty="0"/>
+            <a:endParaRPr lang="en-US"/>
           </a:p>
         </p:txBody>
       </p:sp>
     </p:spTree>
     <p:extLst>
       <p:ext uri="{BB962C8B-B14F-4D97-AF65-F5344CB8AC3E}">
-        <p14:creationId xmlns:p14="http://schemas.microsoft.com/office/powerpoint/2010/main" val="1901315008"/>
+        <p14:creationId xmlns:p14="http://schemas.microsoft.com/office/powerpoint/2010/main" val="3370124405"/>
       </p:ext>
     </p:extLst>
   </p:cSld>
@@ -1212,7 +1552,7 @@
           <a:bodyPr/>
           <a:lstStyle/>
           <a:p>
-            <a:endParaRPr lang="en-US" sz="1000" dirty="0"/>
+            <a:endParaRPr lang="en-US" dirty="0"/>
           </a:p>
         </p:txBody>
       </p:sp>
@@ -1242,7 +1582,7 @@
     </p:spTree>
     <p:extLst>
       <p:ext uri="{BB962C8B-B14F-4D97-AF65-F5344CB8AC3E}">
-        <p14:creationId xmlns:p14="http://schemas.microsoft.com/office/powerpoint/2010/main" val="3664166188"/>
+        <p14:creationId xmlns:p14="http://schemas.microsoft.com/office/powerpoint/2010/main" val="2884915907"/>
       </p:ext>
     </p:extLst>
   </p:cSld>
@@ -1296,7 +1636,15 @@
           <a:bodyPr/>
           <a:lstStyle/>
           <a:p>
-            <a:endParaRPr lang="en-US" sz="1000" dirty="0"/>
+            <a:endParaRPr lang="en-US" sz="1200" kern="1200" dirty="0">
+              <a:solidFill>
+                <a:schemeClr val="tx1"/>
+              </a:solidFill>
+              <a:effectLst/>
+              <a:latin typeface="+mn-lt"/>
+              <a:ea typeface="+mn-ea"/>
+              <a:cs typeface="+mn-cs"/>
+            </a:endParaRPr>
           </a:p>
         </p:txBody>
       </p:sp>
@@ -1307,7 +1655,7 @@
             <a:spLocks noGrp="1"/>
           </p:cNvSpPr>
           <p:nvPr>
-            <p:ph type="sldNum" sz="quarter" idx="10"/>
+            <p:ph type="sldNum" sz="quarter" idx="5"/>
           </p:nvPr>
         </p:nvSpPr>
         <p:spPr/>
@@ -1315,18 +1663,18 @@
           <a:bodyPr/>
           <a:lstStyle/>
           <a:p>
-            <a:fld id="{5394DE12-7B9B-46AA-AC19-C30A49928B9B}" type="slidenum">
+            <a:fld id="{35A4D32B-0177-4B34-AE20-6C72705619FE}" type="slidenum">
               <a:rPr lang="en-US" smtClean="0"/>
               <a:t>6</a:t>
             </a:fld>
-            <a:endParaRPr lang="en-US" dirty="0"/>
+            <a:endParaRPr lang="en-US"/>
           </a:p>
         </p:txBody>
       </p:sp>
     </p:spTree>
     <p:extLst>
       <p:ext uri="{BB962C8B-B14F-4D97-AF65-F5344CB8AC3E}">
-        <p14:creationId xmlns:p14="http://schemas.microsoft.com/office/powerpoint/2010/main" val="1192607748"/>
+        <p14:creationId xmlns:p14="http://schemas.microsoft.com/office/powerpoint/2010/main" val="4235253359"/>
       </p:ext>
     </p:extLst>
   </p:cSld>
@@ -1380,7 +1728,7 @@
           <a:bodyPr/>
           <a:lstStyle/>
           <a:p>
-            <a:endParaRPr lang="en-US" sz="1000" dirty="0"/>
+            <a:endParaRPr lang="en-US" dirty="0"/>
           </a:p>
         </p:txBody>
       </p:sp>
@@ -1410,7 +1758,7 @@
     </p:spTree>
     <p:extLst>
       <p:ext uri="{BB962C8B-B14F-4D97-AF65-F5344CB8AC3E}">
-        <p14:creationId xmlns:p14="http://schemas.microsoft.com/office/powerpoint/2010/main" val="692693102"/>
+        <p14:creationId xmlns:p14="http://schemas.microsoft.com/office/powerpoint/2010/main" val="665870089"/>
       </p:ext>
     </p:extLst>
   </p:cSld>
@@ -1494,7 +1842,7 @@
     </p:spTree>
     <p:extLst>
       <p:ext uri="{BB962C8B-B14F-4D97-AF65-F5344CB8AC3E}">
-        <p14:creationId xmlns:p14="http://schemas.microsoft.com/office/powerpoint/2010/main" val="1460508810"/>
+        <p14:creationId xmlns:p14="http://schemas.microsoft.com/office/powerpoint/2010/main" val="1901315008"/>
       </p:ext>
     </p:extLst>
   </p:cSld>
@@ -1578,7 +1926,7 @@
     </p:spTree>
     <p:extLst>
       <p:ext uri="{BB962C8B-B14F-4D97-AF65-F5344CB8AC3E}">
-        <p14:creationId xmlns:p14="http://schemas.microsoft.com/office/powerpoint/2010/main" val="438824734"/>
+        <p14:creationId xmlns:p14="http://schemas.microsoft.com/office/powerpoint/2010/main" val="3664166188"/>
       </p:ext>
     </p:extLst>
   </p:cSld>
@@ -4902,7 +5250,7 @@
             </a:pPr>
             <a:r>
               <a:rPr lang="en-US" sz="2000" dirty="0"/>
-              <a:t>Friendly Conversation Topic</a:t>
+              <a:t>Prework</a:t>
             </a:r>
           </a:p>
           <a:p>
@@ -4912,7 +5260,7 @@
             </a:pPr>
             <a:r>
               <a:rPr lang="en-US" sz="2000" dirty="0"/>
-              <a:t>Prework &amp; Announcements</a:t>
+              <a:t>Demos</a:t>
             </a:r>
           </a:p>
           <a:p>
@@ -4922,7 +5270,7 @@
             </a:pPr>
             <a:r>
               <a:rPr lang="en-US" sz="2000" dirty="0"/>
-              <a:t>Thursday Demos</a:t>
+              <a:t>Friendly Conversation Topic</a:t>
             </a:r>
           </a:p>
           <a:p>
@@ -4932,17 +5280,7 @@
             </a:pPr>
             <a:r>
               <a:rPr lang="en-US" sz="2000" dirty="0"/>
-              <a:t>Sprint 3 Retrospective</a:t>
-            </a:r>
-          </a:p>
-          <a:p>
-            <a:pPr marL="457200" indent="-457200">
-              <a:buFont typeface="+mj-lt"/>
-              <a:buAutoNum type="arabicPeriod"/>
-            </a:pPr>
-            <a:r>
-              <a:rPr lang="en-US" sz="2000" dirty="0"/>
-              <a:t>Sprint 4 Planning</a:t>
+              <a:t>Sprint 3 Q&amp;A</a:t>
             </a:r>
           </a:p>
           <a:p>
@@ -5073,255 +5411,6 @@
       </p:grpSpPr>
       <p:sp>
         <p:nvSpPr>
-          <p:cNvPr id="2" name="Title 1">
-            <a:extLst>
-              <a:ext uri="{FF2B5EF4-FFF2-40B4-BE49-F238E27FC236}">
-                <a16:creationId xmlns:a16="http://schemas.microsoft.com/office/drawing/2014/main" id="{2A5755BE-860E-40EB-ADA6-6E82BCB49EC3}"/>
-              </a:ext>
-            </a:extLst>
-          </p:cNvPr>
-          <p:cNvSpPr>
-            <a:spLocks noGrp="1"/>
-          </p:cNvSpPr>
-          <p:nvPr>
-            <p:ph type="title"/>
-          </p:nvPr>
-        </p:nvSpPr>
-        <p:spPr/>
-        <p:txBody>
-          <a:bodyPr/>
-          <a:lstStyle/>
-          <a:p>
-            <a:r>
-              <a:rPr lang="en-US" dirty="0"/>
-              <a:t>Prework</a:t>
-            </a:r>
-          </a:p>
-        </p:txBody>
-      </p:sp>
-      <p:sp>
-        <p:nvSpPr>
-          <p:cNvPr id="3" name="Content Placeholder 2">
-            <a:extLst>
-              <a:ext uri="{FF2B5EF4-FFF2-40B4-BE49-F238E27FC236}">
-                <a16:creationId xmlns:a16="http://schemas.microsoft.com/office/drawing/2014/main" id="{72EF5DE0-5958-4171-A9E3-3D288A31AC3F}"/>
-              </a:ext>
-            </a:extLst>
-          </p:cNvPr>
-          <p:cNvSpPr>
-            <a:spLocks noGrp="1"/>
-          </p:cNvSpPr>
-          <p:nvPr>
-            <p:ph idx="1"/>
-          </p:nvPr>
-        </p:nvSpPr>
-        <p:spPr>
-          <a:xfrm>
-            <a:off x="838200" y="1654444"/>
-            <a:ext cx="10515600" cy="4522519"/>
-          </a:xfrm>
-        </p:spPr>
-        <p:txBody>
-          <a:bodyPr>
-            <a:normAutofit/>
-          </a:bodyPr>
-          <a:lstStyle/>
-          <a:p>
-            <a:pPr marL="0" indent="0">
-              <a:buNone/>
-            </a:pPr>
-            <a:r>
-              <a:rPr lang="en-US" sz="2000" dirty="0"/>
-              <a:t>Complete Activities List items through item 4</a:t>
-            </a:r>
-          </a:p>
-          <a:p>
-            <a:pPr marL="0" indent="0">
-              <a:buNone/>
-            </a:pPr>
-            <a:r>
-              <a:rPr lang="en-US" sz="2000" dirty="0"/>
-              <a:t>Be ready for Sprint 3 demos including completing Class Forum postings</a:t>
-            </a:r>
-          </a:p>
-          <a:p>
-            <a:pPr marL="0" indent="0">
-              <a:buNone/>
-            </a:pPr>
-            <a:r>
-              <a:rPr lang="en-US" sz="2000" dirty="0"/>
-              <a:t>Be ready to complete DB4 as a team</a:t>
-            </a:r>
-          </a:p>
-        </p:txBody>
-      </p:sp>
-    </p:spTree>
-    <p:extLst>
-      <p:ext uri="{BB962C8B-B14F-4D97-AF65-F5344CB8AC3E}">
-        <p14:creationId xmlns:p14="http://schemas.microsoft.com/office/powerpoint/2010/main" val="381560011"/>
-      </p:ext>
-    </p:extLst>
-  </p:cSld>
-  <p:clrMapOvr>
-    <a:masterClrMapping/>
-  </p:clrMapOvr>
-</p:sld>
-</file>
-
-<file path=ppt/slides/slide11.xml><?xml version="1.0" encoding="utf-8"?>
-<p:sld xmlns:a="http://schemas.openxmlformats.org/drawingml/2006/main" xmlns:r="http://schemas.openxmlformats.org/officeDocument/2006/relationships" xmlns:p="http://schemas.openxmlformats.org/presentationml/2006/main">
-  <p:cSld>
-    <p:spTree>
-      <p:nvGrpSpPr>
-        <p:cNvPr id="1" name=""/>
-        <p:cNvGrpSpPr/>
-        <p:nvPr/>
-      </p:nvGrpSpPr>
-      <p:grpSpPr>
-        <a:xfrm>
-          <a:off x="0" y="0"/>
-          <a:ext cx="0" cy="0"/>
-          <a:chOff x="0" y="0"/>
-          <a:chExt cx="0" cy="0"/>
-        </a:xfrm>
-      </p:grpSpPr>
-      <p:sp>
-        <p:nvSpPr>
-          <p:cNvPr id="2" name="Title 1">
-            <a:extLst>
-              <a:ext uri="{FF2B5EF4-FFF2-40B4-BE49-F238E27FC236}">
-                <a16:creationId xmlns:a16="http://schemas.microsoft.com/office/drawing/2014/main" id="{2A5755BE-860E-40EB-ADA6-6E82BCB49EC3}"/>
-              </a:ext>
-            </a:extLst>
-          </p:cNvPr>
-          <p:cNvSpPr>
-            <a:spLocks noGrp="1"/>
-          </p:cNvSpPr>
-          <p:nvPr>
-            <p:ph type="title"/>
-          </p:nvPr>
-        </p:nvSpPr>
-        <p:spPr/>
-        <p:txBody>
-          <a:bodyPr/>
-          <a:lstStyle/>
-          <a:p>
-            <a:r>
-              <a:rPr lang="en-US" dirty="0"/>
-              <a:t>Assignment</a:t>
-            </a:r>
-          </a:p>
-        </p:txBody>
-      </p:sp>
-      <p:sp>
-        <p:nvSpPr>
-          <p:cNvPr id="3" name="Content Placeholder 2">
-            <a:extLst>
-              <a:ext uri="{FF2B5EF4-FFF2-40B4-BE49-F238E27FC236}">
-                <a16:creationId xmlns:a16="http://schemas.microsoft.com/office/drawing/2014/main" id="{72EF5DE0-5958-4171-A9E3-3D288A31AC3F}"/>
-              </a:ext>
-            </a:extLst>
-          </p:cNvPr>
-          <p:cNvSpPr>
-            <a:spLocks noGrp="1"/>
-          </p:cNvSpPr>
-          <p:nvPr>
-            <p:ph idx="1"/>
-          </p:nvPr>
-        </p:nvSpPr>
-        <p:spPr>
-          <a:xfrm>
-            <a:off x="838200" y="1654444"/>
-            <a:ext cx="10515600" cy="4522519"/>
-          </a:xfrm>
-        </p:spPr>
-        <p:txBody>
-          <a:bodyPr>
-            <a:normAutofit/>
-          </a:bodyPr>
-          <a:lstStyle/>
-          <a:p>
-            <a:pPr marL="0" indent="0">
-              <a:buNone/>
-            </a:pPr>
-            <a:r>
-              <a:rPr lang="en-US" sz="2000" dirty="0"/>
-              <a:t>Complete Activities List items through item 4</a:t>
-            </a:r>
-          </a:p>
-          <a:p>
-            <a:pPr marL="0" indent="0">
-              <a:buNone/>
-            </a:pPr>
-            <a:r>
-              <a:rPr lang="en-US" sz="2000" dirty="0"/>
-              <a:t>Be ready for Sprint 3 demos including completing Class Forum postings</a:t>
-            </a:r>
-          </a:p>
-          <a:p>
-            <a:pPr marL="0" indent="0">
-              <a:buNone/>
-            </a:pPr>
-            <a:r>
-              <a:rPr lang="en-US" sz="2000" dirty="0"/>
-              <a:t>Be ready to complete DB4 as a team</a:t>
-            </a:r>
-          </a:p>
-          <a:p>
-            <a:pPr marL="0" indent="0">
-              <a:buNone/>
-            </a:pPr>
-            <a:endParaRPr lang="en-US" sz="2000" dirty="0"/>
-          </a:p>
-          <a:p>
-            <a:pPr marL="0" indent="0">
-              <a:buNone/>
-            </a:pPr>
-            <a:endParaRPr lang="en-US" sz="2000" dirty="0"/>
-          </a:p>
-          <a:p>
-            <a:pPr marL="0" indent="0">
-              <a:buNone/>
-            </a:pPr>
-            <a:endParaRPr lang="en-US" sz="1800" dirty="0"/>
-          </a:p>
-          <a:p>
-            <a:endParaRPr lang="en-US" dirty="0"/>
-          </a:p>
-        </p:txBody>
-      </p:sp>
-    </p:spTree>
-    <p:extLst>
-      <p:ext uri="{BB962C8B-B14F-4D97-AF65-F5344CB8AC3E}">
-        <p14:creationId xmlns:p14="http://schemas.microsoft.com/office/powerpoint/2010/main" val="3944871503"/>
-      </p:ext>
-    </p:extLst>
-  </p:cSld>
-  <p:clrMapOvr>
-    <a:masterClrMapping/>
-  </p:clrMapOvr>
-</p:sld>
-</file>
-
-<file path=ppt/slides/slide12.xml><?xml version="1.0" encoding="utf-8"?>
-<p:sld xmlns:a="http://schemas.openxmlformats.org/drawingml/2006/main" xmlns:r="http://schemas.openxmlformats.org/officeDocument/2006/relationships" xmlns:p="http://schemas.openxmlformats.org/presentationml/2006/main">
-  <p:cSld>
-    <p:spTree>
-      <p:nvGrpSpPr>
-        <p:cNvPr id="1" name=""/>
-        <p:cNvGrpSpPr/>
-        <p:nvPr/>
-      </p:nvGrpSpPr>
-      <p:grpSpPr>
-        <a:xfrm>
-          <a:off x="0" y="0"/>
-          <a:ext cx="0" cy="0"/>
-          <a:chOff x="0" y="0"/>
-          <a:chExt cx="0" cy="0"/>
-        </a:xfrm>
-      </p:grpSpPr>
-      <p:sp>
-        <p:nvSpPr>
           <p:cNvPr id="2" name="Title 1"/>
           <p:cNvSpPr>
             <a:spLocks noGrp="1"/>
@@ -5344,77 +5433,8 @@
           <a:p>
             <a:r>
               <a:rPr lang="en-US" sz="3600" dirty="0"/>
-              <a:t>Lab</a:t>
-            </a:r>
-            <a:endParaRPr lang="en-US" sz="3600" b="1" i="1" u="sng" dirty="0"/>
-          </a:p>
-        </p:txBody>
-      </p:sp>
-      <p:sp>
-        <p:nvSpPr>
-          <p:cNvPr id="3" name="Content Placeholder 2"/>
-          <p:cNvSpPr>
-            <a:spLocks noGrp="1"/>
-          </p:cNvSpPr>
-          <p:nvPr>
-            <p:ph idx="1"/>
-          </p:nvPr>
-        </p:nvSpPr>
-        <p:spPr>
-          <a:xfrm>
-            <a:off x="838200" y="1122398"/>
-            <a:ext cx="10718950" cy="3444659"/>
-          </a:xfrm>
-        </p:spPr>
-        <p:txBody>
-          <a:bodyPr>
-            <a:normAutofit/>
-          </a:bodyPr>
-          <a:lstStyle/>
-          <a:p>
-            <a:pPr marL="0" indent="0">
-              <a:buNone/>
-            </a:pPr>
-            <a:r>
-              <a:rPr lang="en-US" sz="2000" dirty="0"/>
-              <a:t>As A Team:</a:t>
-            </a:r>
-          </a:p>
-          <a:p>
-            <a:pPr marL="457200" indent="-457200">
-              <a:buFont typeface="+mj-lt"/>
-              <a:buAutoNum type="arabicPeriod"/>
-            </a:pPr>
-            <a:r>
-              <a:rPr lang="en-US" sz="2000" dirty="0"/>
-              <a:t>Review of the sprint 4 activities list and assignments in detail </a:t>
-            </a:r>
-          </a:p>
-          <a:p>
-            <a:pPr marL="457200" indent="-457200">
-              <a:buFont typeface="+mj-lt"/>
-              <a:buAutoNum type="arabicPeriod"/>
-            </a:pPr>
-            <a:r>
-              <a:rPr lang="en-US" sz="2000" dirty="0"/>
-              <a:t>Mosaic Lite</a:t>
-            </a:r>
-          </a:p>
-          <a:p>
-            <a:pPr marL="457200" indent="-457200">
-              <a:buFont typeface="+mj-lt"/>
-              <a:buAutoNum type="arabicPeriod"/>
-            </a:pPr>
-            <a:r>
-              <a:rPr lang="en-US" sz="2000" dirty="0"/>
-              <a:t>Team report out by Scrum Master </a:t>
-            </a:r>
-          </a:p>
-          <a:p>
-            <a:pPr marL="0" indent="0">
-              <a:buNone/>
-            </a:pPr>
-            <a:endParaRPr lang="en-US" sz="2000" dirty="0"/>
+              <a:t>Network Architecture – The Web</a:t>
+            </a:r>
           </a:p>
         </p:txBody>
       </p:sp>
@@ -5423,7 +5443,7 @@
           <p:cNvPr id="4" name="Content Placeholder 2">
             <a:extLst>
               <a:ext uri="{FF2B5EF4-FFF2-40B4-BE49-F238E27FC236}">
-                <a16:creationId xmlns:a16="http://schemas.microsoft.com/office/drawing/2014/main" id="{A8D663FC-2FE3-C74F-A0F7-0E8E49701540}"/>
+                <a16:creationId xmlns:a16="http://schemas.microsoft.com/office/drawing/2014/main" id="{2089EFC2-A45C-4711-8D64-BFBB2CF029BD}"/>
               </a:ext>
             </a:extLst>
           </p:cNvPr>
@@ -5434,8 +5454,8 @@
         </p:nvSpPr>
         <p:spPr>
           <a:xfrm>
-            <a:off x="838200" y="4745399"/>
-            <a:ext cx="10718950" cy="1813567"/>
+            <a:off x="838200" y="1227552"/>
+            <a:ext cx="10515600" cy="4949412"/>
           </a:xfrm>
           <a:prstGeom prst="rect">
             <a:avLst/>
@@ -5611,74 +5631,208 @@
           </a:lstStyle>
           <a:p>
             <a:pPr marL="0" indent="0">
-              <a:buFont typeface="Arial" panose="020B0604020202020204" pitchFamily="34" charset="0"/>
               <a:buNone/>
             </a:pPr>
             <a:r>
-              <a:rPr lang="en-US" sz="1600" u="sng" dirty="0"/>
-              <a:t>Report Out Guidelines</a:t>
-            </a:r>
+              <a:rPr lang="en-US" sz="2000" dirty="0"/>
+              <a:t>The Web </a:t>
+            </a:r>
+            <a:r>
+              <a:rPr lang="en-US" sz="2000" dirty="0">
+                <a:hlinkClick r:id="rId3"/>
+              </a:rPr>
+              <a:t>[link]</a:t>
+            </a:r>
+            <a:endParaRPr lang="en-US" sz="2000" dirty="0"/>
           </a:p>
           <a:p>
             <a:pPr marL="0" indent="0">
-              <a:buFont typeface="Arial" panose="020B0604020202020204" pitchFamily="34" charset="0"/>
-              <a:buNone/>
-            </a:pPr>
-            <a:r>
-              <a:rPr lang="en-US" sz="1600" dirty="0"/>
-              <a:t>Scrum Master stand up, give your name, your team name, and briefly answer the following questions:</a:t>
-            </a:r>
-          </a:p>
-          <a:p>
-            <a:pPr marL="514350" indent="-514350">
-              <a:buFont typeface="+mj-lt"/>
-              <a:buAutoNum type="alphaLcParenR"/>
-            </a:pPr>
-            <a:r>
-              <a:rPr lang="en-US" sz="1600" dirty="0"/>
-              <a:t>What did you accomplish since the last meeting? And what will you be working on until the next meeting?</a:t>
-            </a:r>
-          </a:p>
-          <a:p>
-            <a:pPr marL="514350" indent="-514350">
-              <a:buFont typeface="+mj-lt"/>
-              <a:buAutoNum type="alphaLcParenR"/>
-            </a:pPr>
-            <a:r>
-              <a:rPr lang="en-US" sz="1600" dirty="0"/>
-              <a:t>Is the team committed to completing assignments? All/Most/Some</a:t>
-            </a:r>
-          </a:p>
-          <a:p>
-            <a:pPr marL="514350" indent="-514350">
-              <a:buFont typeface="+mj-lt"/>
-              <a:buAutoNum type="alphaLcParenR"/>
-            </a:pPr>
-            <a:r>
-              <a:rPr lang="en-US" sz="1600" dirty="0"/>
-              <a:t>What is getting in your way or keeping you from completing the assignments?</a:t>
-            </a:r>
-          </a:p>
-          <a:p>
-            <a:pPr marL="0" indent="0">
-              <a:buFont typeface="Arial" panose="020B0604020202020204" pitchFamily="34" charset="0"/>
               <a:buNone/>
             </a:pPr>
             <a:endParaRPr lang="en-US" sz="2000" dirty="0"/>
           </a:p>
           <a:p>
             <a:pPr marL="0" indent="0">
-              <a:buFont typeface="Arial" panose="020B0604020202020204" pitchFamily="34" charset="0"/>
+              <a:buNone/>
+            </a:pPr>
+            <a:r>
+              <a:rPr lang="en-US" sz="2000" dirty="0"/>
+              <a:t>HTTP (Hypertext Transfer Protocol) </a:t>
+            </a:r>
+            <a:r>
+              <a:rPr lang="en-US" sz="2000" dirty="0">
+                <a:hlinkClick r:id="rId4"/>
+              </a:rPr>
+              <a:t>[link]</a:t>
+            </a:r>
+            <a:endParaRPr lang="en-US" sz="2000" dirty="0"/>
+          </a:p>
+          <a:p>
+            <a:pPr marL="0" indent="0">
+              <a:buNone/>
+            </a:pPr>
+            <a:r>
+              <a:rPr lang="en-US" sz="2000" dirty="0"/>
+              <a:t>DNS (Domain Name System) </a:t>
+            </a:r>
+            <a:r>
+              <a:rPr lang="en-US" sz="2000" dirty="0">
+                <a:hlinkClick r:id="rId5"/>
+              </a:rPr>
+              <a:t>[link]</a:t>
+            </a:r>
+            <a:endParaRPr lang="en-US" sz="2000" dirty="0"/>
+          </a:p>
+          <a:p>
+            <a:pPr marL="0" indent="0">
               <a:buNone/>
             </a:pPr>
             <a:endParaRPr lang="en-US" sz="2000" dirty="0"/>
+          </a:p>
+          <a:p>
+            <a:pPr marL="0" indent="0">
+              <a:buNone/>
+            </a:pPr>
+            <a:r>
+              <a:rPr lang="en-US" sz="2000" dirty="0"/>
+              <a:t>HTML (Hypertext Markup Language) </a:t>
+            </a:r>
+            <a:r>
+              <a:rPr lang="en-US" sz="2000" dirty="0">
+                <a:hlinkClick r:id="rId6"/>
+              </a:rPr>
+              <a:t>[link]</a:t>
+            </a:r>
+            <a:endParaRPr lang="en-US" sz="2000" dirty="0"/>
+          </a:p>
+          <a:p>
+            <a:pPr marL="0" indent="0">
+              <a:buNone/>
+            </a:pPr>
+            <a:r>
+              <a:rPr lang="en-US" sz="2000" dirty="0"/>
+              <a:t>CSS (Cascading Style Sheets) </a:t>
+            </a:r>
+            <a:r>
+              <a:rPr lang="en-US" sz="2000" dirty="0">
+                <a:hlinkClick r:id="rId7"/>
+              </a:rPr>
+              <a:t>[link]</a:t>
+            </a:r>
+            <a:endParaRPr lang="en-US" sz="2000" dirty="0"/>
+          </a:p>
+          <a:p>
+            <a:pPr marL="0" indent="0">
+              <a:buNone/>
+            </a:pPr>
+            <a:endParaRPr lang="en-US" sz="2000" dirty="0"/>
+          </a:p>
+          <a:p>
+            <a:pPr marL="0" indent="0">
+              <a:buNone/>
+            </a:pPr>
+            <a:r>
+              <a:rPr lang="en-US" sz="2000" dirty="0"/>
+              <a:t>JavaScript [</a:t>
+            </a:r>
+            <a:r>
+              <a:rPr lang="en-US" sz="2000" dirty="0">
+                <a:hlinkClick r:id="rId8"/>
+              </a:rPr>
+              <a:t>link</a:t>
+            </a:r>
+            <a:r>
+              <a:rPr lang="en-US" sz="2000" dirty="0"/>
+              <a:t>]</a:t>
+            </a:r>
+          </a:p>
+          <a:p>
+            <a:pPr marL="0" indent="0">
+              <a:buNone/>
+            </a:pPr>
+            <a:r>
+              <a:rPr lang="en-US" sz="2000" dirty="0"/>
+              <a:t> </a:t>
+            </a:r>
+          </a:p>
+        </p:txBody>
+      </p:sp>
+      <p:pic>
+        <p:nvPicPr>
+          <p:cNvPr id="3" name="Picture 2">
+            <a:extLst>
+              <a:ext uri="{FF2B5EF4-FFF2-40B4-BE49-F238E27FC236}">
+                <a16:creationId xmlns:a16="http://schemas.microsoft.com/office/drawing/2014/main" id="{A7D0AC4C-9095-4FBA-8E03-0CC37CBE4853}"/>
+              </a:ext>
+            </a:extLst>
+          </p:cNvPr>
+          <p:cNvPicPr>
+            <a:picLocks noChangeAspect="1"/>
+          </p:cNvPicPr>
+          <p:nvPr/>
+        </p:nvPicPr>
+        <p:blipFill>
+          <a:blip r:embed="rId9"/>
+          <a:stretch>
+            <a:fillRect/>
+          </a:stretch>
+        </p:blipFill>
+        <p:spPr>
+          <a:xfrm>
+            <a:off x="7604538" y="1061323"/>
+            <a:ext cx="3650098" cy="4569125"/>
+          </a:xfrm>
+          <a:prstGeom prst="rect">
+            <a:avLst/>
+          </a:prstGeom>
+        </p:spPr>
+      </p:pic>
+      <p:sp>
+        <p:nvSpPr>
+          <p:cNvPr id="6" name="TextBox 5">
+            <a:extLst>
+              <a:ext uri="{FF2B5EF4-FFF2-40B4-BE49-F238E27FC236}">
+                <a16:creationId xmlns:a16="http://schemas.microsoft.com/office/drawing/2014/main" id="{689FE5D9-63F7-424C-8E00-845B24A1F384}"/>
+              </a:ext>
+            </a:extLst>
+          </p:cNvPr>
+          <p:cNvSpPr txBox="1"/>
+          <p:nvPr/>
+        </p:nvSpPr>
+        <p:spPr>
+          <a:xfrm>
+            <a:off x="8004132" y="5748128"/>
+            <a:ext cx="2843408" cy="369332"/>
+          </a:xfrm>
+          <a:prstGeom prst="rect">
+            <a:avLst/>
+          </a:prstGeom>
+          <a:noFill/>
+        </p:spPr>
+        <p:txBody>
+          <a:bodyPr wrap="square" rtlCol="0">
+            <a:spAutoFit/>
+          </a:bodyPr>
+          <a:lstStyle/>
+          <a:p>
+            <a:r>
+              <a:rPr lang="en-US" dirty="0"/>
+              <a:t>Internet Protocol Suite </a:t>
+            </a:r>
+            <a:r>
+              <a:rPr lang="en-US" dirty="0">
+                <a:hlinkClick r:id="rId10"/>
+              </a:rPr>
+              <a:t>[link]</a:t>
+            </a:r>
+            <a:endParaRPr lang="en-US" dirty="0"/>
           </a:p>
         </p:txBody>
       </p:sp>
     </p:spTree>
     <p:extLst>
       <p:ext uri="{BB962C8B-B14F-4D97-AF65-F5344CB8AC3E}">
-        <p14:creationId xmlns:p14="http://schemas.microsoft.com/office/powerpoint/2010/main" val="1237554712"/>
+        <p14:creationId xmlns:p14="http://schemas.microsoft.com/office/powerpoint/2010/main" val="654449041"/>
       </p:ext>
     </p:extLst>
   </p:cSld>
@@ -5688,76 +5842,7 @@
 </p:sld>
 </file>
 
-<file path=ppt/slides/slide13.xml><?xml version="1.0" encoding="utf-8"?>
-<p:sld xmlns:a="http://schemas.openxmlformats.org/drawingml/2006/main" xmlns:r="http://schemas.openxmlformats.org/officeDocument/2006/relationships" xmlns:p="http://schemas.openxmlformats.org/presentationml/2006/main">
-  <p:cSld>
-    <p:bg>
-      <p:bgPr>
-        <a:solidFill>
-          <a:schemeClr val="bg1">
-            <a:lumMod val="85000"/>
-          </a:schemeClr>
-        </a:solidFill>
-        <a:effectLst/>
-      </p:bgPr>
-    </p:bg>
-    <p:spTree>
-      <p:nvGrpSpPr>
-        <p:cNvPr id="1" name=""/>
-        <p:cNvGrpSpPr/>
-        <p:nvPr/>
-      </p:nvGrpSpPr>
-      <p:grpSpPr>
-        <a:xfrm>
-          <a:off x="0" y="0"/>
-          <a:ext cx="0" cy="0"/>
-          <a:chOff x="0" y="0"/>
-          <a:chExt cx="0" cy="0"/>
-        </a:xfrm>
-      </p:grpSpPr>
-      <p:sp>
-        <p:nvSpPr>
-          <p:cNvPr id="2" name="Title 1"/>
-          <p:cNvSpPr>
-            <a:spLocks noGrp="1"/>
-          </p:cNvSpPr>
-          <p:nvPr>
-            <p:ph type="ctrTitle"/>
-          </p:nvPr>
-        </p:nvSpPr>
-        <p:spPr>
-          <a:xfrm>
-            <a:off x="1524000" y="3051480"/>
-            <a:ext cx="9144000" cy="755040"/>
-          </a:xfrm>
-        </p:spPr>
-        <p:txBody>
-          <a:bodyPr anchor="ctr">
-            <a:normAutofit/>
-          </a:bodyPr>
-          <a:lstStyle/>
-          <a:p>
-            <a:r>
-              <a:rPr lang="en-US" sz="4800" dirty="0"/>
-              <a:t>End of Session</a:t>
-            </a:r>
-          </a:p>
-        </p:txBody>
-      </p:sp>
-    </p:spTree>
-    <p:extLst>
-      <p:ext uri="{BB962C8B-B14F-4D97-AF65-F5344CB8AC3E}">
-        <p14:creationId xmlns:p14="http://schemas.microsoft.com/office/powerpoint/2010/main" val="4265837666"/>
-      </p:ext>
-    </p:extLst>
-  </p:cSld>
-  <p:clrMapOvr>
-    <a:masterClrMapping/>
-  </p:clrMapOvr>
-</p:sld>
-</file>
-
-<file path=ppt/slides/slide2.xml><?xml version="1.0" encoding="utf-8"?>
+<file path=ppt/slides/slide11.xml><?xml version="1.0" encoding="utf-8"?>
 <p:sld xmlns:a="http://schemas.openxmlformats.org/drawingml/2006/main" xmlns:r="http://schemas.openxmlformats.org/officeDocument/2006/relationships" xmlns:p="http://schemas.openxmlformats.org/presentationml/2006/main">
   <p:cSld>
     <p:spTree>
@@ -5776,292 +5861,6 @@
       </p:grpSpPr>
       <p:sp>
         <p:nvSpPr>
-          <p:cNvPr id="2" name="Title 1">
-            <a:extLst>
-              <a:ext uri="{FF2B5EF4-FFF2-40B4-BE49-F238E27FC236}">
-                <a16:creationId xmlns:a16="http://schemas.microsoft.com/office/drawing/2014/main" id="{2A5755BE-860E-40EB-ADA6-6E82BCB49EC3}"/>
-              </a:ext>
-            </a:extLst>
-          </p:cNvPr>
-          <p:cNvSpPr>
-            <a:spLocks noGrp="1"/>
-          </p:cNvSpPr>
-          <p:nvPr>
-            <p:ph type="title"/>
-          </p:nvPr>
-        </p:nvSpPr>
-        <p:spPr/>
-        <p:txBody>
-          <a:bodyPr>
-            <a:normAutofit/>
-          </a:bodyPr>
-          <a:lstStyle/>
-          <a:p>
-            <a:r>
-              <a:rPr lang="en-US" sz="3600" dirty="0"/>
-              <a:t>Demos </a:t>
-            </a:r>
-          </a:p>
-        </p:txBody>
-      </p:sp>
-      <p:graphicFrame>
-        <p:nvGraphicFramePr>
-          <p:cNvPr id="7" name="Object 6">
-            <a:extLst>
-              <a:ext uri="{FF2B5EF4-FFF2-40B4-BE49-F238E27FC236}">
-                <a16:creationId xmlns:a16="http://schemas.microsoft.com/office/drawing/2014/main" id="{7A9F5467-3A8F-A645-9E5B-18FFCE79F122}"/>
-              </a:ext>
-            </a:extLst>
-          </p:cNvPr>
-          <p:cNvGraphicFramePr>
-            <a:graphicFrameLocks noChangeAspect="1"/>
-          </p:cNvGraphicFramePr>
-          <p:nvPr>
-            <p:extLst>
-              <p:ext uri="{D42A27DB-BD31-4B8C-83A1-F6EECF244321}">
-                <p14:modId xmlns:p14="http://schemas.microsoft.com/office/powerpoint/2010/main" val="1052013229"/>
-              </p:ext>
-            </p:extLst>
-          </p:nvPr>
-        </p:nvGraphicFramePr>
-        <p:xfrm>
-          <a:off x="3708400" y="1731963"/>
-          <a:ext cx="4775200" cy="3390900"/>
-        </p:xfrm>
-        <a:graphic>
-          <a:graphicData uri="http://schemas.openxmlformats.org/presentationml/2006/ole">
-            <mc:AlternateContent xmlns:mc="http://schemas.openxmlformats.org/markup-compatibility/2006">
-              <mc:Choice xmlns:v="urn:schemas-microsoft-com:vml" Requires="v">
-                <p:oleObj spid="_x0000_s2063" name="Worksheet" r:id="rId4" imgW="4775200" imgH="3390900" progId="Excel.Sheet.8">
-                  <p:embed/>
-                </p:oleObj>
-              </mc:Choice>
-              <mc:Fallback>
-                <p:oleObj name="Worksheet" r:id="rId4" imgW="4775200" imgH="3390900" progId="Excel.Sheet.8">
-                  <p:embed/>
-                  <p:pic>
-                    <p:nvPicPr>
-                      <p:cNvPr id="7" name="Object 6">
-                        <a:extLst>
-                          <a:ext uri="{FF2B5EF4-FFF2-40B4-BE49-F238E27FC236}">
-                            <a16:creationId xmlns:a16="http://schemas.microsoft.com/office/drawing/2014/main" id="{7A9F5467-3A8F-A645-9E5B-18FFCE79F122}"/>
-                          </a:ext>
-                        </a:extLst>
-                      </p:cNvPr>
-                      <p:cNvPicPr/>
-                      <p:nvPr/>
-                    </p:nvPicPr>
-                    <p:blipFill>
-                      <a:blip r:embed="rId5"/>
-                      <a:stretch>
-                        <a:fillRect/>
-                      </a:stretch>
-                    </p:blipFill>
-                    <p:spPr>
-                      <a:xfrm>
-                        <a:off x="3708400" y="1731963"/>
-                        <a:ext cx="4775200" cy="3390900"/>
-                      </a:xfrm>
-                      <a:prstGeom prst="rect">
-                        <a:avLst/>
-                      </a:prstGeom>
-                    </p:spPr>
-                  </p:pic>
-                </p:oleObj>
-              </mc:Fallback>
-            </mc:AlternateContent>
-          </a:graphicData>
-        </a:graphic>
-      </p:graphicFrame>
-      <p:sp>
-        <p:nvSpPr>
-          <p:cNvPr id="3" name="Rectangle 2">
-            <a:extLst>
-              <a:ext uri="{FF2B5EF4-FFF2-40B4-BE49-F238E27FC236}">
-                <a16:creationId xmlns:a16="http://schemas.microsoft.com/office/drawing/2014/main" id="{A6DC71DB-37BC-8142-A89B-0573B23942D8}"/>
-              </a:ext>
-            </a:extLst>
-          </p:cNvPr>
-          <p:cNvSpPr/>
-          <p:nvPr/>
-        </p:nvSpPr>
-        <p:spPr>
-          <a:xfrm>
-            <a:off x="3648440" y="5425402"/>
-            <a:ext cx="4644926" cy="369332"/>
-          </a:xfrm>
-          <a:prstGeom prst="rect">
-            <a:avLst/>
-          </a:prstGeom>
-        </p:spPr>
-        <p:txBody>
-          <a:bodyPr wrap="none">
-            <a:spAutoFit/>
-          </a:bodyPr>
-          <a:lstStyle/>
-          <a:p>
-            <a:r>
-              <a:rPr lang="en-US" dirty="0"/>
-              <a:t>Demos will be the first Thursday of each sprint. </a:t>
-            </a:r>
-          </a:p>
-        </p:txBody>
-      </p:sp>
-    </p:spTree>
-    <p:extLst>
-      <p:ext uri="{BB962C8B-B14F-4D97-AF65-F5344CB8AC3E}">
-        <p14:creationId xmlns:p14="http://schemas.microsoft.com/office/powerpoint/2010/main" val="4186897598"/>
-      </p:ext>
-    </p:extLst>
-  </p:cSld>
-  <p:clrMapOvr>
-    <a:masterClrMapping/>
-  </p:clrMapOvr>
-</p:sld>
-</file>
-
-<file path=ppt/slides/slide3.xml><?xml version="1.0" encoding="utf-8"?>
-<p:sld xmlns:a="http://schemas.openxmlformats.org/drawingml/2006/main" xmlns:r="http://schemas.openxmlformats.org/officeDocument/2006/relationships" xmlns:p="http://schemas.openxmlformats.org/presentationml/2006/main">
-  <p:cSld>
-    <p:spTree>
-      <p:nvGrpSpPr>
-        <p:cNvPr id="1" name=""/>
-        <p:cNvGrpSpPr/>
-        <p:nvPr/>
-      </p:nvGrpSpPr>
-      <p:grpSpPr>
-        <a:xfrm>
-          <a:off x="0" y="0"/>
-          <a:ext cx="0" cy="0"/>
-          <a:chOff x="0" y="0"/>
-          <a:chExt cx="0" cy="0"/>
-        </a:xfrm>
-      </p:grpSpPr>
-      <p:sp>
-        <p:nvSpPr>
-          <p:cNvPr id="2" name="Title 1"/>
-          <p:cNvSpPr>
-            <a:spLocks noGrp="1"/>
-          </p:cNvSpPr>
-          <p:nvPr>
-            <p:ph type="ctrTitle"/>
-          </p:nvPr>
-        </p:nvSpPr>
-        <p:spPr>
-          <a:xfrm>
-            <a:off x="1524000" y="3051480"/>
-            <a:ext cx="9144000" cy="755040"/>
-          </a:xfrm>
-        </p:spPr>
-        <p:txBody>
-          <a:bodyPr anchor="ctr">
-            <a:normAutofit/>
-          </a:bodyPr>
-          <a:lstStyle/>
-          <a:p>
-            <a:r>
-              <a:rPr lang="en-US" sz="4800" dirty="0"/>
-              <a:t>Friendly Conversation Topic</a:t>
-            </a:r>
-          </a:p>
-        </p:txBody>
-      </p:sp>
-    </p:spTree>
-    <p:extLst>
-      <p:ext uri="{BB962C8B-B14F-4D97-AF65-F5344CB8AC3E}">
-        <p14:creationId xmlns:p14="http://schemas.microsoft.com/office/powerpoint/2010/main" val="1083335476"/>
-      </p:ext>
-    </p:extLst>
-  </p:cSld>
-  <p:clrMapOvr>
-    <a:masterClrMapping/>
-  </p:clrMapOvr>
-</p:sld>
-</file>
-
-<file path=ppt/slides/slide4.xml><?xml version="1.0" encoding="utf-8"?>
-<p:sld xmlns:a="http://schemas.openxmlformats.org/drawingml/2006/main" xmlns:r="http://schemas.openxmlformats.org/officeDocument/2006/relationships" xmlns:p="http://schemas.openxmlformats.org/presentationml/2006/main">
-  <p:cSld>
-    <p:spTree>
-      <p:nvGrpSpPr>
-        <p:cNvPr id="1" name=""/>
-        <p:cNvGrpSpPr/>
-        <p:nvPr/>
-      </p:nvGrpSpPr>
-      <p:grpSpPr>
-        <a:xfrm>
-          <a:off x="0" y="0"/>
-          <a:ext cx="0" cy="0"/>
-          <a:chOff x="0" y="0"/>
-          <a:chExt cx="0" cy="0"/>
-        </a:xfrm>
-      </p:grpSpPr>
-      <p:sp>
-        <p:nvSpPr>
-          <p:cNvPr id="2" name="Title 1"/>
-          <p:cNvSpPr>
-            <a:spLocks noGrp="1"/>
-          </p:cNvSpPr>
-          <p:nvPr>
-            <p:ph type="ctrTitle"/>
-          </p:nvPr>
-        </p:nvSpPr>
-        <p:spPr>
-          <a:xfrm>
-            <a:off x="1524000" y="3025490"/>
-            <a:ext cx="9144000" cy="807019"/>
-          </a:xfrm>
-        </p:spPr>
-        <p:txBody>
-          <a:bodyPr anchor="ctr">
-            <a:noAutofit/>
-          </a:bodyPr>
-          <a:lstStyle/>
-          <a:p>
-            <a:pPr>
-              <a:spcBef>
-                <a:spcPts val="300"/>
-              </a:spcBef>
-            </a:pPr>
-            <a:r>
-              <a:rPr lang="en-US" sz="3600" dirty="0"/>
-              <a:t>Network Architecture &amp; Protocols – Part 3</a:t>
-            </a:r>
-          </a:p>
-        </p:txBody>
-      </p:sp>
-    </p:spTree>
-    <p:extLst>
-      <p:ext uri="{BB962C8B-B14F-4D97-AF65-F5344CB8AC3E}">
-        <p14:creationId xmlns:p14="http://schemas.microsoft.com/office/powerpoint/2010/main" val="206383728"/>
-      </p:ext>
-    </p:extLst>
-  </p:cSld>
-  <p:clrMapOvr>
-    <a:masterClrMapping/>
-  </p:clrMapOvr>
-</p:sld>
-</file>
-
-<file path=ppt/slides/slide5.xml><?xml version="1.0" encoding="utf-8"?>
-<p:sld xmlns:a="http://schemas.openxmlformats.org/drawingml/2006/main" xmlns:r="http://schemas.openxmlformats.org/officeDocument/2006/relationships" xmlns:p="http://schemas.openxmlformats.org/presentationml/2006/main">
-  <p:cSld>
-    <p:spTree>
-      <p:nvGrpSpPr>
-        <p:cNvPr id="1" name=""/>
-        <p:cNvGrpSpPr/>
-        <p:nvPr/>
-      </p:nvGrpSpPr>
-      <p:grpSpPr>
-        <a:xfrm>
-          <a:off x="0" y="0"/>
-          <a:ext cx="0" cy="0"/>
-          <a:chOff x="0" y="0"/>
-          <a:chExt cx="0" cy="0"/>
-        </a:xfrm>
-      </p:grpSpPr>
-      <p:sp>
-        <p:nvSpPr>
           <p:cNvPr id="2" name="Title 1"/>
           <p:cNvSpPr>
             <a:spLocks noGrp="1"/>
@@ -6084,7 +5883,7 @@
           <a:p>
             <a:r>
               <a:rPr lang="en-US" sz="3600" dirty="0"/>
-              <a:t>Network Architecture – The Internet</a:t>
+              <a:t>Network Architecture – Distributed Computing</a:t>
             </a:r>
           </a:p>
         </p:txBody>
@@ -6286,7 +6085,7 @@
             </a:pPr>
             <a:r>
               <a:rPr lang="en-US" sz="2000" dirty="0"/>
-              <a:t>The Internet </a:t>
+              <a:t>RPC (Remote procedure call) </a:t>
             </a:r>
             <a:r>
               <a:rPr lang="en-US" sz="2000" dirty="0">
@@ -6300,6 +6099,15 @@
             <a:pPr marL="0" indent="0">
               <a:buNone/>
             </a:pPr>
+            <a:r>
+              <a:rPr lang="en-US" sz="2000" dirty="0"/>
+              <a:t>… SOA (service-oriented architecture) version 1</a:t>
+            </a:r>
+          </a:p>
+          <a:p>
+            <a:pPr marL="0" indent="0">
+              <a:buNone/>
+            </a:pPr>
             <a:endParaRPr lang="en-US" sz="2000" dirty="0"/>
           </a:p>
           <a:p>
@@ -6308,7 +6116,7 @@
             </a:pPr>
             <a:r>
               <a:rPr lang="en-US" sz="2000" dirty="0"/>
-              <a:t>IP (Internet Protocol) </a:t>
+              <a:t>Java RMI (Java remote method invocation) </a:t>
             </a:r>
             <a:r>
               <a:rPr lang="en-US" sz="2000" dirty="0">
@@ -6322,15 +6130,9 @@
             <a:pPr marL="0" indent="0">
               <a:buNone/>
             </a:pPr>
-            <a:endParaRPr lang="en-US" sz="2000" dirty="0"/>
-          </a:p>
-          <a:p>
-            <a:pPr marL="0" indent="0">
-              <a:buNone/>
-            </a:pPr>
             <a:r>
               <a:rPr lang="en-US" sz="2000" dirty="0"/>
-              <a:t>TCP (Transmission Control Protocol) </a:t>
+              <a:t>DCOM (Distributed Component Object Model) </a:t>
             </a:r>
             <a:r>
               <a:rPr lang="en-US" sz="2000" dirty="0">
@@ -6346,39 +6148,15 @@
             </a:pPr>
             <a:r>
               <a:rPr lang="en-US" sz="2000" dirty="0"/>
-              <a:t>TCP/IP </a:t>
-            </a:r>
-          </a:p>
-          <a:p>
-            <a:pPr marL="0" indent="0">
-              <a:buNone/>
-            </a:pPr>
-            <a:endParaRPr lang="en-US" sz="2000" dirty="0"/>
-          </a:p>
-          <a:p>
-            <a:pPr marL="0" indent="0">
-              <a:buNone/>
-            </a:pPr>
-            <a:r>
-              <a:rPr lang="en-US" sz="2000" dirty="0"/>
-              <a:t>UDP (User Datagram Protocol) </a:t>
+              <a:t>CORBA (Common Object Request Broker Architecture) </a:t>
             </a:r>
             <a:r>
               <a:rPr lang="en-US" sz="2000" dirty="0">
                 <a:hlinkClick r:id="rId6"/>
               </a:rPr>
-              <a:t>[link] </a:t>
+              <a:t>[link]</a:t>
             </a:r>
             <a:endParaRPr lang="en-US" sz="2000" dirty="0"/>
-          </a:p>
-          <a:p>
-            <a:pPr marL="0" indent="0">
-              <a:buNone/>
-            </a:pPr>
-            <a:r>
-              <a:rPr lang="en-US" sz="2000" dirty="0"/>
-              <a:t>UDP/IP</a:t>
-            </a:r>
           </a:p>
           <a:p>
             <a:pPr marL="0" indent="0">
@@ -6392,7 +6170,28 @@
             </a:pPr>
             <a:r>
               <a:rPr lang="en-US" sz="2000" dirty="0"/>
-              <a:t>TCP/IP or UDP/IP Socket </a:t>
+              <a:t>… [The Web takes over the world]</a:t>
+            </a:r>
+          </a:p>
+          <a:p>
+            <a:pPr marL="0" indent="0">
+              <a:buNone/>
+            </a:pPr>
+            <a:endParaRPr lang="en-US" sz="2000" dirty="0"/>
+          </a:p>
+          <a:p>
+            <a:pPr marL="0" indent="0">
+              <a:buNone/>
+            </a:pPr>
+            <a:endParaRPr lang="en-US" sz="2000" dirty="0"/>
+          </a:p>
+          <a:p>
+            <a:pPr marL="0" indent="0">
+              <a:buNone/>
+            </a:pPr>
+            <a:r>
+              <a:rPr lang="en-US" sz="2000" dirty="0"/>
+              <a:t>XML (Extensible Markup Language) </a:t>
             </a:r>
             <a:r>
               <a:rPr lang="en-US" sz="2000" dirty="0">
@@ -6400,7 +6199,10 @@
               </a:rPr>
               <a:t>[link]</a:t>
             </a:r>
-            <a:endParaRPr lang="en-US" sz="2000" dirty="0"/>
+            <a:r>
+              <a:rPr lang="en-US" sz="2000" dirty="0"/>
+              <a:t>	</a:t>
+            </a:r>
           </a:p>
           <a:p>
             <a:pPr marL="0" indent="0">
@@ -6408,7 +6210,7 @@
             </a:pPr>
             <a:r>
               <a:rPr lang="en-US" sz="2000" dirty="0"/>
-              <a:t>TCP and UDP Protocols &amp; Port Numbers </a:t>
+              <a:t>XML-RPC (XML &amp; HTTP) </a:t>
             </a:r>
             <a:r>
               <a:rPr lang="en-US" sz="2000" dirty="0">
@@ -6416,16 +6218,19 @@
               </a:rPr>
               <a:t>[link]</a:t>
             </a:r>
-            <a:endParaRPr lang="en-US" sz="2000" dirty="0"/>
+            <a:r>
+              <a:rPr lang="en-US" sz="2000" dirty="0"/>
+              <a:t> </a:t>
+            </a:r>
           </a:p>
         </p:txBody>
       </p:sp>
       <p:pic>
         <p:nvPicPr>
-          <p:cNvPr id="3" name="Picture 2">
+          <p:cNvPr id="6" name="Picture 5">
             <a:extLst>
               <a:ext uri="{FF2B5EF4-FFF2-40B4-BE49-F238E27FC236}">
-                <a16:creationId xmlns:a16="http://schemas.microsoft.com/office/drawing/2014/main" id="{EB9E2CFF-2E53-4E08-B47B-2E03CBDC1E36}"/>
+                <a16:creationId xmlns:a16="http://schemas.microsoft.com/office/drawing/2014/main" id="{FFA9BE90-C0D4-406B-8CC0-01FCDC9A1537}"/>
               </a:ext>
             </a:extLst>
           </p:cNvPr>
@@ -6442,103 +6247,70 @@
         </p:blipFill>
         <p:spPr>
           <a:xfrm>
-            <a:off x="6558967" y="1425197"/>
-            <a:ext cx="5400726" cy="4007606"/>
+            <a:off x="7604538" y="1061323"/>
+            <a:ext cx="3650098" cy="4569125"/>
           </a:xfrm>
           <a:prstGeom prst="rect">
             <a:avLst/>
           </a:prstGeom>
         </p:spPr>
       </p:pic>
+      <p:sp>
+        <p:nvSpPr>
+          <p:cNvPr id="7" name="TextBox 6">
+            <a:extLst>
+              <a:ext uri="{FF2B5EF4-FFF2-40B4-BE49-F238E27FC236}">
+                <a16:creationId xmlns:a16="http://schemas.microsoft.com/office/drawing/2014/main" id="{5EEC40FC-5ED0-44E3-B813-C6735E625590}"/>
+              </a:ext>
+            </a:extLst>
+          </p:cNvPr>
+          <p:cNvSpPr txBox="1"/>
+          <p:nvPr/>
+        </p:nvSpPr>
+        <p:spPr>
+          <a:xfrm>
+            <a:off x="8004132" y="5748128"/>
+            <a:ext cx="2843408" cy="369332"/>
+          </a:xfrm>
+          <a:prstGeom prst="rect">
+            <a:avLst/>
+          </a:prstGeom>
+          <a:noFill/>
+        </p:spPr>
+        <p:txBody>
+          <a:bodyPr wrap="square" rtlCol="0">
+            <a:spAutoFit/>
+          </a:bodyPr>
+          <a:lstStyle/>
+          <a:p>
+            <a:r>
+              <a:rPr lang="en-US" dirty="0"/>
+              <a:t>Internet Protocol Suite </a:t>
+            </a:r>
+            <a:r>
+              <a:rPr lang="en-US" dirty="0">
+                <a:hlinkClick r:id="rId10"/>
+              </a:rPr>
+              <a:t>[link]</a:t>
+            </a:r>
+            <a:endParaRPr lang="en-US" dirty="0"/>
+          </a:p>
+        </p:txBody>
+      </p:sp>
     </p:spTree>
     <p:extLst>
       <p:ext uri="{BB962C8B-B14F-4D97-AF65-F5344CB8AC3E}">
-        <p14:creationId xmlns:p14="http://schemas.microsoft.com/office/powerpoint/2010/main" val="3828561259"/>
+        <p14:creationId xmlns:p14="http://schemas.microsoft.com/office/powerpoint/2010/main" val="3583001224"/>
       </p:ext>
     </p:extLst>
   </p:cSld>
   <p:clrMapOvr>
     <a:masterClrMapping/>
   </p:clrMapOvr>
-  <p:timing>
-    <p:tnLst>
-      <p:par>
-        <p:cTn id="1" dur="indefinite" restart="never" nodeType="tmRoot">
-          <p:childTnLst>
-            <p:seq concurrent="1" nextAc="seek">
-              <p:cTn id="2" dur="indefinite" nodeType="mainSeq">
-                <p:childTnLst>
-                  <p:par>
-                    <p:cTn id="3" fill="hold">
-                      <p:stCondLst>
-                        <p:cond delay="indefinite"/>
-                      </p:stCondLst>
-                      <p:childTnLst>
-                        <p:par>
-                          <p:cTn id="4" fill="hold">
-                            <p:stCondLst>
-                              <p:cond delay="0"/>
-                            </p:stCondLst>
-                            <p:childTnLst>
-                              <p:par>
-                                <p:cTn id="5" presetID="1" presetClass="entr" presetSubtype="0" fill="hold" nodeType="clickEffect">
-                                  <p:stCondLst>
-                                    <p:cond delay="0"/>
-                                  </p:stCondLst>
-                                  <p:childTnLst>
-                                    <p:set>
-                                      <p:cBhvr>
-                                        <p:cTn id="6" dur="1" fill="hold">
-                                          <p:stCondLst>
-                                            <p:cond delay="0"/>
-                                          </p:stCondLst>
-                                        </p:cTn>
-                                        <p:tgtEl>
-                                          <p:spTgt spid="3"/>
-                                        </p:tgtEl>
-                                        <p:attrNameLst>
-                                          <p:attrName>style.visibility</p:attrName>
-                                        </p:attrNameLst>
-                                      </p:cBhvr>
-                                      <p:to>
-                                        <p:strVal val="visible"/>
-                                      </p:to>
-                                    </p:set>
-                                  </p:childTnLst>
-                                </p:cTn>
-                              </p:par>
-                            </p:childTnLst>
-                          </p:cTn>
-                        </p:par>
-                      </p:childTnLst>
-                    </p:cTn>
-                  </p:par>
-                </p:childTnLst>
-              </p:cTn>
-              <p:prevCondLst>
-                <p:cond evt="onPrev" delay="0">
-                  <p:tgtEl>
-                    <p:sldTgt/>
-                  </p:tgtEl>
-                </p:cond>
-              </p:prevCondLst>
-              <p:nextCondLst>
-                <p:cond evt="onNext" delay="0">
-                  <p:tgtEl>
-                    <p:sldTgt/>
-                  </p:tgtEl>
-                </p:cond>
-              </p:nextCondLst>
-            </p:seq>
-          </p:childTnLst>
-        </p:cTn>
-      </p:par>
-    </p:tnLst>
-  </p:timing>
 </p:sld>
 </file>
 
-<file path=ppt/slides/slide6.xml><?xml version="1.0" encoding="utf-8"?>
+<file path=ppt/slides/slide12.xml><?xml version="1.0" encoding="utf-8"?>
 <p:sld xmlns:a="http://schemas.openxmlformats.org/drawingml/2006/main" xmlns:r="http://schemas.openxmlformats.org/officeDocument/2006/relationships" xmlns:p="http://schemas.openxmlformats.org/presentationml/2006/main">
   <p:cSld>
     <p:spTree>
@@ -6579,7 +6351,7 @@
           <a:p>
             <a:r>
               <a:rPr lang="en-US" sz="3600" dirty="0"/>
-              <a:t>Network Architecture – The Web</a:t>
+              <a:t>Network Architecture – Web Services</a:t>
             </a:r>
           </a:p>
         </p:txBody>
@@ -6781,7 +6553,7 @@
             </a:pPr>
             <a:r>
               <a:rPr lang="en-US" sz="2000" dirty="0"/>
-              <a:t>The Web </a:t>
+              <a:t>Web Services </a:t>
             </a:r>
             <a:r>
               <a:rPr lang="en-US" sz="2000" dirty="0">
@@ -6795,6 +6567,15 @@
             <a:pPr marL="0" indent="0">
               <a:buNone/>
             </a:pPr>
+            <a:r>
+              <a:rPr lang="en-US" sz="2000" dirty="0"/>
+              <a:t>…SOA (service-oriented architecture) version 2</a:t>
+            </a:r>
+          </a:p>
+          <a:p>
+            <a:pPr marL="0" indent="0">
+              <a:buNone/>
+            </a:pPr>
             <a:endParaRPr lang="en-US" sz="2000" dirty="0"/>
           </a:p>
           <a:p>
@@ -6803,7 +6584,7 @@
             </a:pPr>
             <a:r>
               <a:rPr lang="en-US" sz="2000" dirty="0"/>
-              <a:t>HTTP (Hypertext Transfer Protocol) </a:t>
+              <a:t>XML (Extensible Markup Language) </a:t>
             </a:r>
             <a:r>
               <a:rPr lang="en-US" sz="2000" dirty="0">
@@ -6811,7 +6592,10 @@
               </a:rPr>
               <a:t>[link]</a:t>
             </a:r>
-            <a:endParaRPr lang="en-US" sz="2000" dirty="0"/>
+            <a:r>
+              <a:rPr lang="en-US" sz="2000" dirty="0"/>
+              <a:t>	</a:t>
+            </a:r>
           </a:p>
           <a:p>
             <a:pPr marL="0" indent="0">
@@ -6819,7 +6603,7 @@
             </a:pPr>
             <a:r>
               <a:rPr lang="en-US" sz="2000" dirty="0"/>
-              <a:t>DNS (Domain Name System) </a:t>
+              <a:t>XML-RPC (XML &amp; HTTP) </a:t>
             </a:r>
             <a:r>
               <a:rPr lang="en-US" sz="2000" dirty="0">
@@ -6827,21 +6611,18 @@
               </a:rPr>
               <a:t>[link]</a:t>
             </a:r>
-            <a:endParaRPr lang="en-US" sz="2000" dirty="0"/>
+            <a:r>
+              <a:rPr lang="en-US" sz="2000" dirty="0"/>
+              <a:t> </a:t>
+            </a:r>
           </a:p>
           <a:p>
             <a:pPr marL="0" indent="0">
               <a:buNone/>
             </a:pPr>
-            <a:endParaRPr lang="en-US" sz="2000" dirty="0"/>
-          </a:p>
-          <a:p>
-            <a:pPr marL="0" indent="0">
-              <a:buNone/>
-            </a:pPr>
             <a:r>
               <a:rPr lang="en-US" sz="2000" dirty="0"/>
-              <a:t>HTML (Hypertext Markup Language) </a:t>
+              <a:t>SOAP (Simple Object Access Protocol) </a:t>
             </a:r>
             <a:r>
               <a:rPr lang="en-US" sz="2000" dirty="0">
@@ -6855,9 +6636,15 @@
             <a:pPr marL="0" indent="0">
               <a:buNone/>
             </a:pPr>
+            <a:endParaRPr lang="en-US" sz="2000" dirty="0"/>
+          </a:p>
+          <a:p>
+            <a:pPr marL="0" indent="0">
+              <a:buNone/>
+            </a:pPr>
             <a:r>
               <a:rPr lang="en-US" sz="2000" dirty="0"/>
-              <a:t>CSS (Cascading Style Sheets) </a:t>
+              <a:t>JSON (JavaScript Object Notation) </a:t>
             </a:r>
             <a:r>
               <a:rPr lang="en-US" sz="2000" dirty="0">
@@ -6871,44 +6658,38 @@
             <a:pPr marL="0" indent="0">
               <a:buNone/>
             </a:pPr>
-            <a:endParaRPr lang="en-US" sz="2000" dirty="0"/>
-          </a:p>
-          <a:p>
-            <a:pPr marL="0" indent="0">
-              <a:buNone/>
-            </a:pPr>
             <a:r>
               <a:rPr lang="en-US" sz="2000" dirty="0"/>
-              <a:t>JavaScript [</a:t>
+              <a:t>REST (Representational State Transfer) </a:t>
             </a:r>
             <a:r>
               <a:rPr lang="en-US" sz="2000" dirty="0">
                 <a:hlinkClick r:id="rId8"/>
               </a:rPr>
-              <a:t>link</a:t>
-            </a:r>
-            <a:r>
-              <a:rPr lang="en-US" sz="2000" dirty="0"/>
-              <a:t>]</a:t>
-            </a:r>
+              <a:t>[link]</a:t>
+            </a:r>
+            <a:endParaRPr lang="en-US" sz="2000" dirty="0"/>
           </a:p>
           <a:p>
             <a:pPr marL="0" indent="0">
               <a:buNone/>
             </a:pPr>
-            <a:r>
-              <a:rPr lang="en-US" sz="2000" dirty="0"/>
-              <a:t> </a:t>
-            </a:r>
+            <a:endParaRPr lang="en-US" sz="2000" dirty="0"/>
+          </a:p>
+          <a:p>
+            <a:pPr marL="0" indent="0">
+              <a:buNone/>
+            </a:pPr>
+            <a:endParaRPr lang="en-US" sz="2000" dirty="0"/>
           </a:p>
         </p:txBody>
       </p:sp>
       <p:pic>
         <p:nvPicPr>
-          <p:cNvPr id="3" name="Picture 2">
+          <p:cNvPr id="7" name="Picture 6">
             <a:extLst>
               <a:ext uri="{FF2B5EF4-FFF2-40B4-BE49-F238E27FC236}">
-                <a16:creationId xmlns:a16="http://schemas.microsoft.com/office/drawing/2014/main" id="{A7D0AC4C-9095-4FBA-8E03-0CC37CBE4853}"/>
+                <a16:creationId xmlns:a16="http://schemas.microsoft.com/office/drawing/2014/main" id="{6F107D95-60D1-476F-8F34-B0D12CE62FC5}"/>
               </a:ext>
             </a:extLst>
           </p:cNvPr>
@@ -6935,10 +6716,10 @@
       </p:pic>
       <p:sp>
         <p:nvSpPr>
-          <p:cNvPr id="6" name="TextBox 5">
+          <p:cNvPr id="8" name="TextBox 7">
             <a:extLst>
               <a:ext uri="{FF2B5EF4-FFF2-40B4-BE49-F238E27FC236}">
-                <a16:creationId xmlns:a16="http://schemas.microsoft.com/office/drawing/2014/main" id="{689FE5D9-63F7-424C-8E00-845B24A1F384}"/>
+                <a16:creationId xmlns:a16="http://schemas.microsoft.com/office/drawing/2014/main" id="{24B0F564-56B6-4C5C-B0C1-1AF4213D17D6}"/>
               </a:ext>
             </a:extLst>
           </p:cNvPr>
@@ -6978,7 +6759,7 @@
     </p:spTree>
     <p:extLst>
       <p:ext uri="{BB962C8B-B14F-4D97-AF65-F5344CB8AC3E}">
-        <p14:creationId xmlns:p14="http://schemas.microsoft.com/office/powerpoint/2010/main" val="654449041"/>
+        <p14:creationId xmlns:p14="http://schemas.microsoft.com/office/powerpoint/2010/main" val="1207687763"/>
       </p:ext>
     </p:extLst>
   </p:cSld>
@@ -6988,7 +6769,7 @@
 </p:sld>
 </file>
 
-<file path=ppt/slides/slide7.xml><?xml version="1.0" encoding="utf-8"?>
+<file path=ppt/slides/slide13.xml><?xml version="1.0" encoding="utf-8"?>
 <p:sld xmlns:a="http://schemas.openxmlformats.org/drawingml/2006/main" xmlns:r="http://schemas.openxmlformats.org/officeDocument/2006/relationships" xmlns:p="http://schemas.openxmlformats.org/presentationml/2006/main">
   <p:cSld>
     <p:spTree>
@@ -7029,7 +6810,7 @@
           <a:p>
             <a:r>
               <a:rPr lang="en-US" sz="3600" dirty="0"/>
-              <a:t>Network Architecture – Distributed Computing</a:t>
+              <a:t>Network Architecture – Back to the Future </a:t>
             </a:r>
           </a:p>
         </p:txBody>
@@ -7231,7 +7012,7 @@
             </a:pPr>
             <a:r>
               <a:rPr lang="en-US" sz="2000" dirty="0"/>
-              <a:t>RPC (Remote procedure call) </a:t>
+              <a:t>Web Services </a:t>
             </a:r>
             <a:r>
               <a:rPr lang="en-US" sz="2000" dirty="0">
@@ -7247,22 +7028,16 @@
             </a:pPr>
             <a:r>
               <a:rPr lang="en-US" sz="2000" dirty="0"/>
-              <a:t>… SOA (service-oriented architecture) version 1</a:t>
+              <a:t>    …SOA (service-oriented architecture) version 2 [link]</a:t>
             </a:r>
           </a:p>
           <a:p>
             <a:pPr marL="0" indent="0">
               <a:buNone/>
             </a:pPr>
-            <a:endParaRPr lang="en-US" sz="2000" dirty="0"/>
-          </a:p>
-          <a:p>
-            <a:pPr marL="0" indent="0">
-              <a:buNone/>
-            </a:pPr>
             <a:r>
               <a:rPr lang="en-US" sz="2000" dirty="0"/>
-              <a:t>Java RMI (Java remote method invocation) </a:t>
+              <a:t>JSON (JavaScript Object Notation) </a:t>
             </a:r>
             <a:r>
               <a:rPr lang="en-US" sz="2000" dirty="0">
@@ -7278,7 +7053,7 @@
             </a:pPr>
             <a:r>
               <a:rPr lang="en-US" sz="2000" dirty="0"/>
-              <a:t>DCOM (Distributed Component Object Model) </a:t>
+              <a:t>REST (Representational State Transfer) </a:t>
             </a:r>
             <a:r>
               <a:rPr lang="en-US" sz="2000" dirty="0">
@@ -7292,9 +7067,25 @@
             <a:pPr marL="0" indent="0">
               <a:buNone/>
             </a:pPr>
+            <a:endParaRPr lang="en-US" sz="2000" dirty="0"/>
+          </a:p>
+          <a:p>
+            <a:pPr marL="0" indent="0">
+              <a:buNone/>
+            </a:pPr>
+            <a:endParaRPr lang="en-US" sz="2000" dirty="0"/>
+          </a:p>
+          <a:p>
+            <a:pPr marL="0" indent="0">
+              <a:buNone/>
+            </a:pPr>
+            <a:r>
+              <a:rPr lang="en-US" sz="2000" dirty="0" err="1"/>
+              <a:t>gRPC</a:t>
+            </a:r>
             <a:r>
               <a:rPr lang="en-US" sz="2000" dirty="0"/>
-              <a:t>CORBA (Common Object Request Broker Architecture) </a:t>
+              <a:t> </a:t>
             </a:r>
             <a:r>
               <a:rPr lang="en-US" sz="2000" dirty="0">
@@ -7302,61 +7093,63 @@
               </a:rPr>
               <a:t>[link]</a:t>
             </a:r>
-            <a:endParaRPr lang="en-US" sz="2000" dirty="0"/>
-          </a:p>
-          <a:p>
-            <a:pPr marL="0" indent="0">
-              <a:buNone/>
-            </a:pPr>
-            <a:endParaRPr lang="en-US" sz="2000" dirty="0"/>
-          </a:p>
-          <a:p>
-            <a:pPr marL="0" indent="0">
-              <a:buNone/>
-            </a:pPr>
             <a:r>
               <a:rPr lang="en-US" sz="2000" dirty="0"/>
-              <a:t>… [The Web takes over the world]</a:t>
-            </a:r>
-          </a:p>
-          <a:p>
-            <a:pPr marL="0" indent="0">
-              <a:buNone/>
-            </a:pPr>
-            <a:endParaRPr lang="en-US" sz="2000" dirty="0"/>
-          </a:p>
-          <a:p>
-            <a:pPr marL="0" indent="0">
-              <a:buNone/>
-            </a:pPr>
-            <a:endParaRPr lang="en-US" sz="2000" dirty="0"/>
-          </a:p>
-          <a:p>
-            <a:pPr marL="0" indent="0">
-              <a:buNone/>
-            </a:pPr>
-            <a:r>
-              <a:rPr lang="en-US" sz="2000" dirty="0"/>
-              <a:t>XML (Extensible Markup Language) </a:t>
+              <a:t> Or </a:t>
             </a:r>
             <a:r>
               <a:rPr lang="en-US" sz="2000" dirty="0">
                 <a:hlinkClick r:id="rId7"/>
               </a:rPr>
-              <a:t>[link]</a:t>
-            </a:r>
+              <a:t>https://grpc.io/faq/</a:t>
+            </a:r>
+            <a:endParaRPr lang="en-US" sz="2000" dirty="0"/>
+          </a:p>
+          <a:p>
+            <a:pPr marL="0" indent="0">
+              <a:buNone/>
+            </a:pPr>
+            <a:endParaRPr lang="en-US" sz="2000" dirty="0"/>
+          </a:p>
+          <a:p>
+            <a:pPr marL="0" indent="0">
+              <a:buNone/>
+            </a:pPr>
+            <a:endParaRPr lang="en-US" sz="2000" dirty="0"/>
+          </a:p>
+          <a:p>
+            <a:pPr marL="0" indent="0">
+              <a:buNone/>
+            </a:pPr>
             <a:r>
               <a:rPr lang="en-US" sz="2000" dirty="0"/>
-              <a:t>	</a:t>
-            </a:r>
-          </a:p>
-          <a:p>
-            <a:pPr marL="0" indent="0">
-              <a:buNone/>
+              <a:t>REST vs </a:t>
+            </a:r>
+            <a:r>
+              <a:rPr lang="en-US" sz="2000" dirty="0" err="1"/>
+              <a:t>gRPC</a:t>
+            </a:r>
+            <a:r>
+              <a:rPr lang="en-US" sz="2000" dirty="0"/>
+              <a:t> </a:t>
+            </a:r>
+          </a:p>
+          <a:p>
+            <a:pPr>
+              <a:buFont typeface="Wingdings" panose="05000000000000000000" pitchFamily="2" charset="2"/>
+              <a:buChar char="§"/>
             </a:pPr>
             <a:r>
               <a:rPr lang="en-US" sz="2000" dirty="0"/>
-              <a:t>XML-RPC (XML &amp; HTTP) </a:t>
+              <a:t>REST vs. </a:t>
+            </a:r>
+            <a:r>
+              <a:rPr lang="en-US" sz="2000" dirty="0" err="1"/>
+              <a:t>gRPC</a:t>
+            </a:r>
+            <a:r>
+              <a:rPr lang="en-US" sz="2000" dirty="0"/>
+              <a:t>: Battle of the APIs </a:t>
             </a:r>
             <a:r>
               <a:rPr lang="en-US" sz="2000" dirty="0">
@@ -7364,19 +7157,44 @@
               </a:rPr>
               <a:t>[link]</a:t>
             </a:r>
+            <a:endParaRPr lang="en-US" sz="2000" dirty="0"/>
+          </a:p>
+          <a:p>
+            <a:pPr>
+              <a:buFont typeface="Wingdings" panose="05000000000000000000" pitchFamily="2" charset="2"/>
+              <a:buChar char="§"/>
+            </a:pPr>
+            <a:r>
+              <a:rPr lang="en-US" sz="2000" dirty="0"/>
+              <a:t>Evaluating Performance of REST vs. </a:t>
+            </a:r>
+            <a:r>
+              <a:rPr lang="en-US" sz="2000" dirty="0" err="1"/>
+              <a:t>gRPC</a:t>
+            </a:r>
             <a:r>
               <a:rPr lang="en-US" sz="2000" dirty="0"/>
               <a:t> </a:t>
             </a:r>
+            <a:r>
+              <a:rPr lang="en-US" sz="2000" dirty="0">
+                <a:hlinkClick r:id="rId9"/>
+              </a:rPr>
+              <a:t>[link]</a:t>
+            </a:r>
+            <a:r>
+              <a:rPr lang="en-US" sz="2000" dirty="0"/>
+              <a:t>  </a:t>
+            </a:r>
           </a:p>
         </p:txBody>
       </p:sp>
       <p:pic>
         <p:nvPicPr>
-          <p:cNvPr id="6" name="Picture 5">
+          <p:cNvPr id="5" name="Picture 4">
             <a:extLst>
               <a:ext uri="{FF2B5EF4-FFF2-40B4-BE49-F238E27FC236}">
-                <a16:creationId xmlns:a16="http://schemas.microsoft.com/office/drawing/2014/main" id="{FFA9BE90-C0D4-406B-8CC0-01FCDC9A1537}"/>
+                <a16:creationId xmlns:a16="http://schemas.microsoft.com/office/drawing/2014/main" id="{E51FC054-0B24-4CFD-B5CC-ADC37DA85061}"/>
               </a:ext>
             </a:extLst>
           </p:cNvPr>
@@ -7386,7 +7204,7 @@
           <p:nvPr/>
         </p:nvPicPr>
         <p:blipFill>
-          <a:blip r:embed="rId9"/>
+          <a:blip r:embed="rId10"/>
           <a:stretch>
             <a:fillRect/>
           </a:stretch>
@@ -7403,10 +7221,10 @@
       </p:pic>
       <p:sp>
         <p:nvSpPr>
-          <p:cNvPr id="7" name="TextBox 6">
+          <p:cNvPr id="6" name="TextBox 5">
             <a:extLst>
               <a:ext uri="{FF2B5EF4-FFF2-40B4-BE49-F238E27FC236}">
-                <a16:creationId xmlns:a16="http://schemas.microsoft.com/office/drawing/2014/main" id="{5EEC40FC-5ED0-44E3-B813-C6735E625590}"/>
+                <a16:creationId xmlns:a16="http://schemas.microsoft.com/office/drawing/2014/main" id="{2F930956-2EDD-4146-85BF-6182A3CEB693}"/>
               </a:ext>
             </a:extLst>
           </p:cNvPr>
@@ -7435,7 +7253,7 @@
             </a:r>
             <a:r>
               <a:rPr lang="en-US" dirty="0">
-                <a:hlinkClick r:id="rId10"/>
+                <a:hlinkClick r:id="rId11"/>
               </a:rPr>
               <a:t>[link]</a:t>
             </a:r>
@@ -7446,7 +7264,7 @@
     </p:spTree>
     <p:extLst>
       <p:ext uri="{BB962C8B-B14F-4D97-AF65-F5344CB8AC3E}">
-        <p14:creationId xmlns:p14="http://schemas.microsoft.com/office/powerpoint/2010/main" val="3583001224"/>
+        <p14:creationId xmlns:p14="http://schemas.microsoft.com/office/powerpoint/2010/main" val="2355008310"/>
       </p:ext>
     </p:extLst>
   </p:cSld>
@@ -7456,7 +7274,7 @@
 </p:sld>
 </file>
 
-<file path=ppt/slides/slide8.xml><?xml version="1.0" encoding="utf-8"?>
+<file path=ppt/slides/slide14.xml><?xml version="1.0" encoding="utf-8"?>
 <p:sld xmlns:a="http://schemas.openxmlformats.org/drawingml/2006/main" xmlns:r="http://schemas.openxmlformats.org/officeDocument/2006/relationships" xmlns:p="http://schemas.openxmlformats.org/presentationml/2006/main">
   <p:cSld>
     <p:spTree>
@@ -7480,6 +7298,170 @@
             <a:spLocks noGrp="1"/>
           </p:cNvSpPr>
           <p:nvPr>
+            <p:ph type="ctrTitle"/>
+          </p:nvPr>
+        </p:nvSpPr>
+        <p:spPr>
+          <a:xfrm>
+            <a:off x="1524000" y="3051480"/>
+            <a:ext cx="9144000" cy="755040"/>
+          </a:xfrm>
+        </p:spPr>
+        <p:txBody>
+          <a:bodyPr anchor="ctr">
+            <a:normAutofit/>
+          </a:bodyPr>
+          <a:lstStyle/>
+          <a:p>
+            <a:r>
+              <a:rPr lang="en-US" sz="4800" dirty="0"/>
+              <a:t>Sprint 4 Q&amp;A</a:t>
+            </a:r>
+          </a:p>
+        </p:txBody>
+      </p:sp>
+    </p:spTree>
+    <p:extLst>
+      <p:ext uri="{BB962C8B-B14F-4D97-AF65-F5344CB8AC3E}">
+        <p14:creationId xmlns:p14="http://schemas.microsoft.com/office/powerpoint/2010/main" val="2602682970"/>
+      </p:ext>
+    </p:extLst>
+  </p:cSld>
+  <p:clrMapOvr>
+    <a:masterClrMapping/>
+  </p:clrMapOvr>
+</p:sld>
+</file>
+
+<file path=ppt/slides/slide15.xml><?xml version="1.0" encoding="utf-8"?>
+<p:sld xmlns:a="http://schemas.openxmlformats.org/drawingml/2006/main" xmlns:r="http://schemas.openxmlformats.org/officeDocument/2006/relationships" xmlns:p="http://schemas.openxmlformats.org/presentationml/2006/main">
+  <p:cSld>
+    <p:spTree>
+      <p:nvGrpSpPr>
+        <p:cNvPr id="1" name=""/>
+        <p:cNvGrpSpPr/>
+        <p:nvPr/>
+      </p:nvGrpSpPr>
+      <p:grpSpPr>
+        <a:xfrm>
+          <a:off x="0" y="0"/>
+          <a:ext cx="0" cy="0"/>
+          <a:chOff x="0" y="0"/>
+          <a:chExt cx="0" cy="0"/>
+        </a:xfrm>
+      </p:grpSpPr>
+      <p:sp>
+        <p:nvSpPr>
+          <p:cNvPr id="2" name="Title 1">
+            <a:extLst>
+              <a:ext uri="{FF2B5EF4-FFF2-40B4-BE49-F238E27FC236}">
+                <a16:creationId xmlns:a16="http://schemas.microsoft.com/office/drawing/2014/main" id="{2A5755BE-860E-40EB-ADA6-6E82BCB49EC3}"/>
+              </a:ext>
+            </a:extLst>
+          </p:cNvPr>
+          <p:cNvSpPr>
+            <a:spLocks noGrp="1"/>
+          </p:cNvSpPr>
+          <p:nvPr>
+            <p:ph type="title"/>
+          </p:nvPr>
+        </p:nvSpPr>
+        <p:spPr/>
+        <p:txBody>
+          <a:bodyPr/>
+          <a:lstStyle/>
+          <a:p>
+            <a:r>
+              <a:rPr lang="en-US" dirty="0"/>
+              <a:t>Assignment</a:t>
+            </a:r>
+          </a:p>
+        </p:txBody>
+      </p:sp>
+      <p:sp>
+        <p:nvSpPr>
+          <p:cNvPr id="3" name="Content Placeholder 2">
+            <a:extLst>
+              <a:ext uri="{FF2B5EF4-FFF2-40B4-BE49-F238E27FC236}">
+                <a16:creationId xmlns:a16="http://schemas.microsoft.com/office/drawing/2014/main" id="{72EF5DE0-5958-4171-A9E3-3D288A31AC3F}"/>
+              </a:ext>
+            </a:extLst>
+          </p:cNvPr>
+          <p:cNvSpPr>
+            <a:spLocks noGrp="1"/>
+          </p:cNvSpPr>
+          <p:nvPr>
+            <p:ph idx="1"/>
+          </p:nvPr>
+        </p:nvSpPr>
+        <p:spPr>
+          <a:xfrm>
+            <a:off x="838200" y="1654444"/>
+            <a:ext cx="10515600" cy="4522519"/>
+          </a:xfrm>
+        </p:spPr>
+        <p:txBody>
+          <a:bodyPr>
+            <a:normAutofit/>
+          </a:bodyPr>
+          <a:lstStyle/>
+          <a:p>
+            <a:pPr marL="0" indent="0">
+              <a:buNone/>
+            </a:pPr>
+            <a:r>
+              <a:rPr lang="en-US" sz="2000" dirty="0"/>
+              <a:t>Complete Activities List items through item 7</a:t>
+            </a:r>
+          </a:p>
+          <a:p>
+            <a:pPr marL="0" indent="0">
+              <a:buNone/>
+            </a:pPr>
+            <a:r>
+              <a:rPr lang="en-US" sz="2000" dirty="0"/>
+              <a:t>Mosaic v1 complete by the start of class on Tuesday</a:t>
+            </a:r>
+          </a:p>
+        </p:txBody>
+      </p:sp>
+    </p:spTree>
+    <p:extLst>
+      <p:ext uri="{BB962C8B-B14F-4D97-AF65-F5344CB8AC3E}">
+        <p14:creationId xmlns:p14="http://schemas.microsoft.com/office/powerpoint/2010/main" val="1745909792"/>
+      </p:ext>
+    </p:extLst>
+  </p:cSld>
+  <p:clrMapOvr>
+    <a:masterClrMapping/>
+  </p:clrMapOvr>
+</p:sld>
+</file>
+
+<file path=ppt/slides/slide16.xml><?xml version="1.0" encoding="utf-8"?>
+<p:sld xmlns:a="http://schemas.openxmlformats.org/drawingml/2006/main" xmlns:r="http://schemas.openxmlformats.org/officeDocument/2006/relationships" xmlns:p="http://schemas.openxmlformats.org/presentationml/2006/main">
+  <p:cSld>
+    <p:spTree>
+      <p:nvGrpSpPr>
+        <p:cNvPr id="1" name=""/>
+        <p:cNvGrpSpPr/>
+        <p:nvPr/>
+      </p:nvGrpSpPr>
+      <p:grpSpPr>
+        <a:xfrm>
+          <a:off x="0" y="0"/>
+          <a:ext cx="0" cy="0"/>
+          <a:chOff x="0" y="0"/>
+          <a:chExt cx="0" cy="0"/>
+        </a:xfrm>
+      </p:grpSpPr>
+      <p:sp>
+        <p:nvSpPr>
+          <p:cNvPr id="2" name="Title 1"/>
+          <p:cNvSpPr>
+            <a:spLocks noGrp="1"/>
+          </p:cNvSpPr>
+          <p:nvPr>
             <p:ph type="title"/>
           </p:nvPr>
         </p:nvSpPr>
@@ -7497,7 +7479,133 @@
           <a:p>
             <a:r>
               <a:rPr lang="en-US" sz="3600" dirty="0"/>
-              <a:t>Network Architecture – Web Services</a:t>
+              <a:t>Lab</a:t>
+            </a:r>
+            <a:endParaRPr lang="en-US" sz="3600" b="1" i="1" u="sng" dirty="0"/>
+          </a:p>
+        </p:txBody>
+      </p:sp>
+      <p:sp>
+        <p:nvSpPr>
+          <p:cNvPr id="3" name="Content Placeholder 2"/>
+          <p:cNvSpPr>
+            <a:spLocks noGrp="1"/>
+          </p:cNvSpPr>
+          <p:nvPr>
+            <p:ph idx="1"/>
+          </p:nvPr>
+        </p:nvSpPr>
+        <p:spPr>
+          <a:xfrm>
+            <a:off x="838200" y="1122398"/>
+            <a:ext cx="10718950" cy="3444659"/>
+          </a:xfrm>
+        </p:spPr>
+        <p:txBody>
+          <a:bodyPr>
+            <a:normAutofit/>
+          </a:bodyPr>
+          <a:lstStyle/>
+          <a:p>
+            <a:pPr marL="0" indent="0">
+              <a:buNone/>
+            </a:pPr>
+            <a:r>
+              <a:rPr lang="en-US" sz="2000" dirty="0"/>
+              <a:t>As A Group:</a:t>
+            </a:r>
+          </a:p>
+          <a:p>
+            <a:pPr marL="457200" indent="-457200">
+              <a:buFont typeface="+mj-lt"/>
+              <a:buAutoNum type="arabicPeriod"/>
+            </a:pPr>
+            <a:r>
+              <a:rPr lang="en-US" sz="2000" dirty="0"/>
+              <a:t>Complete Discussion Board 4 as a team (14 minutes):</a:t>
+            </a:r>
+          </a:p>
+          <a:p>
+            <a:pPr lvl="1"/>
+            <a:r>
+              <a:rPr lang="en-US" sz="1600" dirty="0"/>
+              <a:t>Assign a note taker and presenter</a:t>
+            </a:r>
+          </a:p>
+          <a:p>
+            <a:pPr lvl="1"/>
+            <a:r>
+              <a:rPr lang="en-US" sz="1600" dirty="0"/>
+              <a:t>Discuss DB4 as a team</a:t>
+            </a:r>
+          </a:p>
+          <a:p>
+            <a:pPr lvl="1"/>
+            <a:r>
+              <a:rPr lang="en-US" sz="1600" dirty="0"/>
+              <a:t>Identify </a:t>
+            </a:r>
+            <a:r>
+              <a:rPr lang="en-US" sz="1600" u="sng" dirty="0"/>
+              <a:t>team name</a:t>
+            </a:r>
+            <a:r>
+              <a:rPr lang="en-US" sz="1600" dirty="0"/>
+              <a:t>, </a:t>
+            </a:r>
+            <a:r>
+              <a:rPr lang="en-US" sz="1600" u="sng" dirty="0"/>
+              <a:t>participants</a:t>
+            </a:r>
+            <a:r>
+              <a:rPr lang="en-US" sz="1600" dirty="0"/>
+              <a:t>, and key </a:t>
+            </a:r>
+            <a:r>
+              <a:rPr lang="en-US" sz="1600" u="sng" dirty="0"/>
+              <a:t>discussion points</a:t>
+            </a:r>
+          </a:p>
+          <a:p>
+            <a:pPr lvl="1"/>
+            <a:r>
+              <a:rPr lang="en-US" sz="1600" dirty="0"/>
+              <a:t>Share notes with team and have each team member copy/paste notes into their individual DB4 post and submit DB4</a:t>
+            </a:r>
+          </a:p>
+          <a:p>
+            <a:pPr lvl="1"/>
+            <a:r>
+              <a:rPr lang="en-US" sz="1600" dirty="0"/>
+              <a:t>Present overview</a:t>
+            </a:r>
+          </a:p>
+          <a:p>
+            <a:pPr marL="457200" indent="-457200">
+              <a:buFont typeface="+mj-lt"/>
+              <a:buAutoNum type="arabicPeriod"/>
+            </a:pPr>
+            <a:r>
+              <a:rPr lang="en-US" sz="2000" dirty="0"/>
+              <a:t>Mosaic, Mosaic, and more Mosaic</a:t>
+            </a:r>
+          </a:p>
+          <a:p>
+            <a:pPr marL="457200" indent="-457200">
+              <a:buFont typeface="+mj-lt"/>
+              <a:buAutoNum type="arabicPeriod"/>
+            </a:pPr>
+            <a:r>
+              <a:rPr lang="en-US" sz="2000" dirty="0"/>
+              <a:t>Team Report-out topics should include a team status on DB4, </a:t>
+            </a:r>
+            <a:r>
+              <a:rPr lang="en-US" sz="2000" dirty="0" err="1"/>
+              <a:t>MosaicLite</a:t>
+            </a:r>
+            <a:r>
+              <a:rPr lang="en-US" sz="2000" dirty="0"/>
+              <a:t>, and Mosaic</a:t>
             </a:r>
           </a:p>
         </p:txBody>
@@ -7507,7 +7615,7 @@
           <p:cNvPr id="4" name="Content Placeholder 2">
             <a:extLst>
               <a:ext uri="{FF2B5EF4-FFF2-40B4-BE49-F238E27FC236}">
-                <a16:creationId xmlns:a16="http://schemas.microsoft.com/office/drawing/2014/main" id="{2089EFC2-A45C-4711-8D64-BFBB2CF029BD}"/>
+                <a16:creationId xmlns:a16="http://schemas.microsoft.com/office/drawing/2014/main" id="{A8D663FC-2FE3-C74F-A0F7-0E8E49701540}"/>
               </a:ext>
             </a:extLst>
           </p:cNvPr>
@@ -7518,8 +7626,8 @@
         </p:nvSpPr>
         <p:spPr>
           <a:xfrm>
-            <a:off x="838200" y="1227552"/>
-            <a:ext cx="10515600" cy="4949412"/>
+            <a:off x="838200" y="4745399"/>
+            <a:ext cx="10718950" cy="1813567"/>
           </a:xfrm>
           <a:prstGeom prst="rect">
             <a:avLst/>
@@ -7695,217 +7803,880 @@
           </a:lstStyle>
           <a:p>
             <a:pPr marL="0" indent="0">
+              <a:buFont typeface="Arial" panose="020B0604020202020204" pitchFamily="34" charset="0"/>
               <a:buNone/>
             </a:pPr>
             <a:r>
-              <a:rPr lang="en-US" sz="2000" dirty="0"/>
-              <a:t>Web Services </a:t>
-            </a:r>
-            <a:r>
-              <a:rPr lang="en-US" sz="2000" dirty="0">
-                <a:hlinkClick r:id="rId3"/>
-              </a:rPr>
-              <a:t>[link]</a:t>
-            </a:r>
-            <a:endParaRPr lang="en-US" sz="2000" dirty="0"/>
+              <a:rPr lang="en-US" sz="1600" u="sng" dirty="0"/>
+              <a:t>Report Out Guidelines</a:t>
+            </a:r>
           </a:p>
           <a:p>
             <a:pPr marL="0" indent="0">
+              <a:buFont typeface="Arial" panose="020B0604020202020204" pitchFamily="34" charset="0"/>
               <a:buNone/>
             </a:pPr>
             <a:r>
-              <a:rPr lang="en-US" sz="2000" dirty="0"/>
-              <a:t>…SOA (service-oriented architecture) version 2</a:t>
+              <a:rPr lang="en-US" sz="1600" dirty="0"/>
+              <a:t>Scrum Master stand up, give your name, your team name, and briefly answer the following questions:</a:t>
+            </a:r>
+          </a:p>
+          <a:p>
+            <a:pPr marL="514350" indent="-514350">
+              <a:buFont typeface="+mj-lt"/>
+              <a:buAutoNum type="alphaLcParenR"/>
+            </a:pPr>
+            <a:r>
+              <a:rPr lang="en-US" sz="1600" dirty="0"/>
+              <a:t>What did you accomplish since the last meeting? And what will you be working on until the next meeting?</a:t>
+            </a:r>
+          </a:p>
+          <a:p>
+            <a:pPr marL="514350" indent="-514350">
+              <a:buFont typeface="+mj-lt"/>
+              <a:buAutoNum type="alphaLcParenR"/>
+            </a:pPr>
+            <a:r>
+              <a:rPr lang="en-US" sz="1600" dirty="0"/>
+              <a:t>Is the team committed to completing assignments? All/Most/Some</a:t>
+            </a:r>
+          </a:p>
+          <a:p>
+            <a:pPr marL="514350" indent="-514350">
+              <a:buFont typeface="+mj-lt"/>
+              <a:buAutoNum type="alphaLcParenR"/>
+            </a:pPr>
+            <a:r>
+              <a:rPr lang="en-US" sz="1600" dirty="0"/>
+              <a:t>What is getting in your way or keeping you from completing the assignments?</a:t>
             </a:r>
           </a:p>
           <a:p>
             <a:pPr marL="0" indent="0">
+              <a:buFont typeface="Arial" panose="020B0604020202020204" pitchFamily="34" charset="0"/>
               <a:buNone/>
             </a:pPr>
             <a:endParaRPr lang="en-US" sz="2000" dirty="0"/>
           </a:p>
           <a:p>
             <a:pPr marL="0" indent="0">
-              <a:buNone/>
-            </a:pPr>
-            <a:r>
-              <a:rPr lang="en-US" sz="2000" dirty="0"/>
-              <a:t>XML (Extensible Markup Language) </a:t>
-            </a:r>
-            <a:r>
-              <a:rPr lang="en-US" sz="2000" dirty="0">
-                <a:hlinkClick r:id="rId4"/>
-              </a:rPr>
-              <a:t>[link]</a:t>
-            </a:r>
-            <a:r>
-              <a:rPr lang="en-US" sz="2000" dirty="0"/>
-              <a:t>	</a:t>
-            </a:r>
-          </a:p>
-          <a:p>
-            <a:pPr marL="0" indent="0">
-              <a:buNone/>
-            </a:pPr>
-            <a:r>
-              <a:rPr lang="en-US" sz="2000" dirty="0"/>
-              <a:t>XML-RPC (XML &amp; HTTP) </a:t>
-            </a:r>
-            <a:r>
-              <a:rPr lang="en-US" sz="2000" dirty="0">
-                <a:hlinkClick r:id="rId5"/>
-              </a:rPr>
-              <a:t>[link]</a:t>
-            </a:r>
-            <a:r>
-              <a:rPr lang="en-US" sz="2000" dirty="0"/>
-              <a:t> </a:t>
-            </a:r>
-          </a:p>
-          <a:p>
-            <a:pPr marL="0" indent="0">
-              <a:buNone/>
-            </a:pPr>
-            <a:r>
-              <a:rPr lang="en-US" sz="2000" dirty="0"/>
-              <a:t>SOAP (Simple Object Access Protocol) </a:t>
-            </a:r>
-            <a:r>
-              <a:rPr lang="en-US" sz="2000" dirty="0">
-                <a:hlinkClick r:id="rId6"/>
-              </a:rPr>
-              <a:t>[link]</a:t>
-            </a:r>
-            <a:endParaRPr lang="en-US" sz="2000" dirty="0"/>
-          </a:p>
-          <a:p>
-            <a:pPr marL="0" indent="0">
+              <a:buFont typeface="Arial" panose="020B0604020202020204" pitchFamily="34" charset="0"/>
               <a:buNone/>
             </a:pPr>
             <a:endParaRPr lang="en-US" sz="2000" dirty="0"/>
           </a:p>
-          <a:p>
-            <a:pPr marL="0" indent="0">
-              <a:buNone/>
-            </a:pPr>
-            <a:r>
-              <a:rPr lang="en-US" sz="2000" dirty="0"/>
-              <a:t>JSON (JavaScript Object Notation) </a:t>
-            </a:r>
-            <a:r>
-              <a:rPr lang="en-US" sz="2000" dirty="0">
-                <a:hlinkClick r:id="rId7"/>
-              </a:rPr>
-              <a:t>[link]</a:t>
-            </a:r>
-            <a:endParaRPr lang="en-US" sz="2000" dirty="0"/>
-          </a:p>
-          <a:p>
-            <a:pPr marL="0" indent="0">
-              <a:buNone/>
-            </a:pPr>
-            <a:r>
-              <a:rPr lang="en-US" sz="2000" dirty="0"/>
-              <a:t>REST (Representational State Transfer) </a:t>
-            </a:r>
-            <a:r>
-              <a:rPr lang="en-US" sz="2000" dirty="0">
-                <a:hlinkClick r:id="rId8"/>
-              </a:rPr>
-              <a:t>[link]</a:t>
-            </a:r>
-            <a:endParaRPr lang="en-US" sz="2000" dirty="0"/>
-          </a:p>
-          <a:p>
-            <a:pPr marL="0" indent="0">
-              <a:buNone/>
-            </a:pPr>
-            <a:endParaRPr lang="en-US" sz="2000" dirty="0"/>
-          </a:p>
-          <a:p>
-            <a:pPr marL="0" indent="0">
-              <a:buNone/>
-            </a:pPr>
-            <a:endParaRPr lang="en-US" sz="2000" dirty="0"/>
-          </a:p>
-        </p:txBody>
-      </p:sp>
-      <p:pic>
-        <p:nvPicPr>
-          <p:cNvPr id="7" name="Picture 6">
+        </p:txBody>
+      </p:sp>
+    </p:spTree>
+    <p:extLst>
+      <p:ext uri="{BB962C8B-B14F-4D97-AF65-F5344CB8AC3E}">
+        <p14:creationId xmlns:p14="http://schemas.microsoft.com/office/powerpoint/2010/main" val="213299882"/>
+      </p:ext>
+    </p:extLst>
+  </p:cSld>
+  <p:clrMapOvr>
+    <a:masterClrMapping/>
+  </p:clrMapOvr>
+</p:sld>
+</file>
+
+<file path=ppt/slides/slide17.xml><?xml version="1.0" encoding="utf-8"?>
+<p:sld xmlns:a="http://schemas.openxmlformats.org/drawingml/2006/main" xmlns:r="http://schemas.openxmlformats.org/officeDocument/2006/relationships" xmlns:p="http://schemas.openxmlformats.org/presentationml/2006/main">
+  <p:cSld>
+    <p:bg>
+      <p:bgPr>
+        <a:solidFill>
+          <a:schemeClr val="bg1">
+            <a:lumMod val="85000"/>
+          </a:schemeClr>
+        </a:solidFill>
+        <a:effectLst/>
+      </p:bgPr>
+    </p:bg>
+    <p:spTree>
+      <p:nvGrpSpPr>
+        <p:cNvPr id="1" name=""/>
+        <p:cNvGrpSpPr/>
+        <p:nvPr/>
+      </p:nvGrpSpPr>
+      <p:grpSpPr>
+        <a:xfrm>
+          <a:off x="0" y="0"/>
+          <a:ext cx="0" cy="0"/>
+          <a:chOff x="0" y="0"/>
+          <a:chExt cx="0" cy="0"/>
+        </a:xfrm>
+      </p:grpSpPr>
+      <p:sp>
+        <p:nvSpPr>
+          <p:cNvPr id="2" name="Title 1"/>
+          <p:cNvSpPr>
+            <a:spLocks noGrp="1"/>
+          </p:cNvSpPr>
+          <p:nvPr>
+            <p:ph type="ctrTitle"/>
+          </p:nvPr>
+        </p:nvSpPr>
+        <p:spPr>
+          <a:xfrm>
+            <a:off x="1524000" y="3051480"/>
+            <a:ext cx="9144000" cy="755040"/>
+          </a:xfrm>
+        </p:spPr>
+        <p:txBody>
+          <a:bodyPr anchor="ctr">
+            <a:normAutofit/>
+          </a:bodyPr>
+          <a:lstStyle/>
+          <a:p>
+            <a:r>
+              <a:rPr lang="en-US" sz="4800" dirty="0"/>
+              <a:t>End of Session</a:t>
+            </a:r>
+          </a:p>
+        </p:txBody>
+      </p:sp>
+    </p:spTree>
+    <p:extLst>
+      <p:ext uri="{BB962C8B-B14F-4D97-AF65-F5344CB8AC3E}">
+        <p14:creationId xmlns:p14="http://schemas.microsoft.com/office/powerpoint/2010/main" val="4265837666"/>
+      </p:ext>
+    </p:extLst>
+  </p:cSld>
+  <p:clrMapOvr>
+    <a:masterClrMapping/>
+  </p:clrMapOvr>
+</p:sld>
+</file>
+
+<file path=ppt/slides/slide2.xml><?xml version="1.0" encoding="utf-8"?>
+<p:sld xmlns:a="http://schemas.openxmlformats.org/drawingml/2006/main" xmlns:r="http://schemas.openxmlformats.org/officeDocument/2006/relationships" xmlns:p="http://schemas.openxmlformats.org/presentationml/2006/main">
+  <p:cSld>
+    <p:spTree>
+      <p:nvGrpSpPr>
+        <p:cNvPr id="1" name=""/>
+        <p:cNvGrpSpPr/>
+        <p:nvPr/>
+      </p:nvGrpSpPr>
+      <p:grpSpPr>
+        <a:xfrm>
+          <a:off x="0" y="0"/>
+          <a:ext cx="0" cy="0"/>
+          <a:chOff x="0" y="0"/>
+          <a:chExt cx="0" cy="0"/>
+        </a:xfrm>
+      </p:grpSpPr>
+      <p:sp>
+        <p:nvSpPr>
+          <p:cNvPr id="2" name="Title 1">
             <a:extLst>
               <a:ext uri="{FF2B5EF4-FFF2-40B4-BE49-F238E27FC236}">
-                <a16:creationId xmlns:a16="http://schemas.microsoft.com/office/drawing/2014/main" id="{6F107D95-60D1-476F-8F34-B0D12CE62FC5}"/>
+                <a16:creationId xmlns:a16="http://schemas.microsoft.com/office/drawing/2014/main" id="{2A5755BE-860E-40EB-ADA6-6E82BCB49EC3}"/>
               </a:ext>
             </a:extLst>
           </p:cNvPr>
-          <p:cNvPicPr>
-            <a:picLocks noChangeAspect="1"/>
-          </p:cNvPicPr>
-          <p:nvPr/>
-        </p:nvPicPr>
-        <p:blipFill>
-          <a:blip r:embed="rId9"/>
-          <a:stretch>
-            <a:fillRect/>
-          </a:stretch>
-        </p:blipFill>
+          <p:cNvSpPr>
+            <a:spLocks noGrp="1"/>
+          </p:cNvSpPr>
+          <p:nvPr>
+            <p:ph type="title"/>
+          </p:nvPr>
+        </p:nvSpPr>
+        <p:spPr/>
+        <p:txBody>
+          <a:bodyPr/>
+          <a:lstStyle/>
+          <a:p>
+            <a:r>
+              <a:rPr lang="en-US" dirty="0"/>
+              <a:t>Prework</a:t>
+            </a:r>
+          </a:p>
+        </p:txBody>
+      </p:sp>
+      <p:sp>
+        <p:nvSpPr>
+          <p:cNvPr id="3" name="Content Placeholder 2">
+            <a:extLst>
+              <a:ext uri="{FF2B5EF4-FFF2-40B4-BE49-F238E27FC236}">
+                <a16:creationId xmlns:a16="http://schemas.microsoft.com/office/drawing/2014/main" id="{72EF5DE0-5958-4171-A9E3-3D288A31AC3F}"/>
+              </a:ext>
+            </a:extLst>
+          </p:cNvPr>
+          <p:cNvSpPr>
+            <a:spLocks noGrp="1"/>
+          </p:cNvSpPr>
+          <p:nvPr>
+            <p:ph idx="1"/>
+          </p:nvPr>
+        </p:nvSpPr>
         <p:spPr>
           <a:xfrm>
-            <a:off x="7604538" y="1061323"/>
-            <a:ext cx="3650098" cy="4569125"/>
+            <a:off x="838200" y="1654444"/>
+            <a:ext cx="10515600" cy="4522519"/>
+          </a:xfrm>
+        </p:spPr>
+        <p:txBody>
+          <a:bodyPr>
+            <a:normAutofit/>
+          </a:bodyPr>
+          <a:lstStyle/>
+          <a:p>
+            <a:pPr marL="0" indent="0">
+              <a:buNone/>
+            </a:pPr>
+            <a:r>
+              <a:rPr lang="en-US" sz="2000" dirty="0"/>
+              <a:t>Complete Activities List items through item 4</a:t>
+            </a:r>
+          </a:p>
+          <a:p>
+            <a:pPr marL="0" indent="0">
+              <a:buNone/>
+            </a:pPr>
+            <a:r>
+              <a:rPr lang="en-US" sz="2000" dirty="0"/>
+              <a:t>Be ready for Sprint 3 demos including completing Class Forum postings</a:t>
+            </a:r>
+          </a:p>
+          <a:p>
+            <a:pPr marL="0" indent="0">
+              <a:buNone/>
+            </a:pPr>
+            <a:r>
+              <a:rPr lang="en-US" sz="2000" dirty="0"/>
+              <a:t>Be ready to complete DB4 as a team</a:t>
+            </a:r>
+          </a:p>
+        </p:txBody>
+      </p:sp>
+    </p:spTree>
+    <p:extLst>
+      <p:ext uri="{BB962C8B-B14F-4D97-AF65-F5344CB8AC3E}">
+        <p14:creationId xmlns:p14="http://schemas.microsoft.com/office/powerpoint/2010/main" val="381560011"/>
+      </p:ext>
+    </p:extLst>
+  </p:cSld>
+  <p:clrMapOvr>
+    <a:masterClrMapping/>
+  </p:clrMapOvr>
+</p:sld>
+</file>
+
+<file path=ppt/slides/slide3.xml><?xml version="1.0" encoding="utf-8"?>
+<p:sld xmlns:a="http://schemas.openxmlformats.org/drawingml/2006/main" xmlns:r="http://schemas.openxmlformats.org/officeDocument/2006/relationships" xmlns:p="http://schemas.openxmlformats.org/presentationml/2006/main">
+  <p:cSld>
+    <p:spTree>
+      <p:nvGrpSpPr>
+        <p:cNvPr id="1" name=""/>
+        <p:cNvGrpSpPr/>
+        <p:nvPr/>
+      </p:nvGrpSpPr>
+      <p:grpSpPr>
+        <a:xfrm>
+          <a:off x="0" y="0"/>
+          <a:ext cx="0" cy="0"/>
+          <a:chOff x="0" y="0"/>
+          <a:chExt cx="0" cy="0"/>
+        </a:xfrm>
+      </p:grpSpPr>
+      <p:sp>
+        <p:nvSpPr>
+          <p:cNvPr id="2" name="Title 1"/>
+          <p:cNvSpPr>
+            <a:spLocks noGrp="1"/>
+          </p:cNvSpPr>
+          <p:nvPr>
+            <p:ph type="ctrTitle"/>
+          </p:nvPr>
+        </p:nvSpPr>
+        <p:spPr>
+          <a:xfrm>
+            <a:off x="1524000" y="3051480"/>
+            <a:ext cx="9144000" cy="755040"/>
+          </a:xfrm>
+        </p:spPr>
+        <p:txBody>
+          <a:bodyPr anchor="ctr">
+            <a:normAutofit fontScale="90000"/>
+          </a:bodyPr>
+          <a:lstStyle/>
+          <a:p>
+            <a:r>
+              <a:rPr lang="en-US" sz="4800" dirty="0"/>
+              <a:t>Demo Adjustment</a:t>
+            </a:r>
+            <a:br>
+              <a:rPr lang="en-US" sz="4800" dirty="0"/>
+            </a:br>
+            <a:br>
+              <a:rPr lang="en-US" sz="4800" dirty="0"/>
+            </a:br>
+            <a:r>
+              <a:rPr lang="en-US" sz="4800" dirty="0"/>
+              <a:t>Browse to</a:t>
+            </a:r>
+            <a:br>
+              <a:rPr lang="en-US" sz="4800" dirty="0"/>
+            </a:br>
+            <a:r>
+              <a:rPr lang="en-US" sz="4800" dirty="0"/>
+              <a:t>“</a:t>
+            </a:r>
+            <a:r>
+              <a:rPr lang="en-US" sz="4800" dirty="0" err="1"/>
+              <a:t>join.me</a:t>
+            </a:r>
+            <a:r>
+              <a:rPr lang="en-US" sz="4800" dirty="0"/>
+              <a:t>/</a:t>
+            </a:r>
+            <a:r>
+              <a:rPr lang="en-US" sz="4800" dirty="0" err="1"/>
+              <a:t>ericjpogue</a:t>
+            </a:r>
+            <a:r>
+              <a:rPr lang="en-US" sz="4800" dirty="0"/>
+              <a:t>”</a:t>
+            </a:r>
+          </a:p>
+        </p:txBody>
+      </p:sp>
+    </p:spTree>
+    <p:extLst>
+      <p:ext uri="{BB962C8B-B14F-4D97-AF65-F5344CB8AC3E}">
+        <p14:creationId xmlns:p14="http://schemas.microsoft.com/office/powerpoint/2010/main" val="628754517"/>
+      </p:ext>
+    </p:extLst>
+  </p:cSld>
+  <p:clrMapOvr>
+    <a:masterClrMapping/>
+  </p:clrMapOvr>
+</p:sld>
+</file>
+
+<file path=ppt/slides/slide4.xml><?xml version="1.0" encoding="utf-8"?>
+<p:sld xmlns:a="http://schemas.openxmlformats.org/drawingml/2006/main" xmlns:r="http://schemas.openxmlformats.org/officeDocument/2006/relationships" xmlns:p="http://schemas.openxmlformats.org/presentationml/2006/main">
+  <p:cSld>
+    <p:spTree>
+      <p:nvGrpSpPr>
+        <p:cNvPr id="1" name=""/>
+        <p:cNvGrpSpPr/>
+        <p:nvPr/>
+      </p:nvGrpSpPr>
+      <p:grpSpPr>
+        <a:xfrm>
+          <a:off x="0" y="0"/>
+          <a:ext cx="0" cy="0"/>
+          <a:chOff x="0" y="0"/>
+          <a:chExt cx="0" cy="0"/>
+        </a:xfrm>
+      </p:grpSpPr>
+      <p:sp>
+        <p:nvSpPr>
+          <p:cNvPr id="2" name="Title 1">
+            <a:extLst>
+              <a:ext uri="{FF2B5EF4-FFF2-40B4-BE49-F238E27FC236}">
+                <a16:creationId xmlns:a16="http://schemas.microsoft.com/office/drawing/2014/main" id="{2A5755BE-860E-40EB-ADA6-6E82BCB49EC3}"/>
+              </a:ext>
+            </a:extLst>
+          </p:cNvPr>
+          <p:cNvSpPr>
+            <a:spLocks noGrp="1"/>
+          </p:cNvSpPr>
+          <p:nvPr>
+            <p:ph type="title"/>
+          </p:nvPr>
+        </p:nvSpPr>
+        <p:spPr/>
+        <p:txBody>
+          <a:bodyPr>
+            <a:normAutofit/>
+          </a:bodyPr>
+          <a:lstStyle/>
+          <a:p>
+            <a:r>
+              <a:rPr lang="en-US" sz="3600" dirty="0"/>
+              <a:t>Demos </a:t>
+            </a:r>
+          </a:p>
+        </p:txBody>
+      </p:sp>
+      <p:graphicFrame>
+        <p:nvGraphicFramePr>
+          <p:cNvPr id="7" name="Object 6">
+            <a:extLst>
+              <a:ext uri="{FF2B5EF4-FFF2-40B4-BE49-F238E27FC236}">
+                <a16:creationId xmlns:a16="http://schemas.microsoft.com/office/drawing/2014/main" id="{7A9F5467-3A8F-A645-9E5B-18FFCE79F122}"/>
+              </a:ext>
+            </a:extLst>
+          </p:cNvPr>
+          <p:cNvGraphicFramePr>
+            <a:graphicFrameLocks noChangeAspect="1"/>
+          </p:cNvGraphicFramePr>
+          <p:nvPr>
+            <p:extLst>
+              <p:ext uri="{D42A27DB-BD31-4B8C-83A1-F6EECF244321}">
+                <p14:modId xmlns:p14="http://schemas.microsoft.com/office/powerpoint/2010/main" val="1338292684"/>
+              </p:ext>
+            </p:extLst>
+          </p:nvPr>
+        </p:nvGraphicFramePr>
+        <p:xfrm>
+          <a:off x="3708400" y="1731963"/>
+          <a:ext cx="4775200" cy="3390900"/>
+        </p:xfrm>
+        <a:graphic>
+          <a:graphicData uri="http://schemas.openxmlformats.org/presentationml/2006/ole">
+            <mc:AlternateContent xmlns:mc="http://schemas.openxmlformats.org/markup-compatibility/2006">
+              <mc:Choice xmlns:v="urn:schemas-microsoft-com:vml" Requires="v">
+                <p:oleObj spid="_x0000_s2071" name="Worksheet" r:id="rId4" imgW="4775200" imgH="3390900" progId="Excel.Sheet.8">
+                  <p:embed/>
+                </p:oleObj>
+              </mc:Choice>
+              <mc:Fallback>
+                <p:oleObj name="Worksheet" r:id="rId4" imgW="4775200" imgH="3390900" progId="Excel.Sheet.8">
+                  <p:embed/>
+                  <p:pic>
+                    <p:nvPicPr>
+                      <p:cNvPr id="7" name="Object 6">
+                        <a:extLst>
+                          <a:ext uri="{FF2B5EF4-FFF2-40B4-BE49-F238E27FC236}">
+                            <a16:creationId xmlns:a16="http://schemas.microsoft.com/office/drawing/2014/main" id="{7A9F5467-3A8F-A645-9E5B-18FFCE79F122}"/>
+                          </a:ext>
+                        </a:extLst>
+                      </p:cNvPr>
+                      <p:cNvPicPr/>
+                      <p:nvPr/>
+                    </p:nvPicPr>
+                    <p:blipFill>
+                      <a:blip r:embed="rId5"/>
+                      <a:stretch>
+                        <a:fillRect/>
+                      </a:stretch>
+                    </p:blipFill>
+                    <p:spPr>
+                      <a:xfrm>
+                        <a:off x="3708400" y="1731963"/>
+                        <a:ext cx="4775200" cy="3390900"/>
+                      </a:xfrm>
+                      <a:prstGeom prst="rect">
+                        <a:avLst/>
+                      </a:prstGeom>
+                    </p:spPr>
+                  </p:pic>
+                </p:oleObj>
+              </mc:Fallback>
+            </mc:AlternateContent>
+          </a:graphicData>
+        </a:graphic>
+      </p:graphicFrame>
+      <p:sp>
+        <p:nvSpPr>
+          <p:cNvPr id="3" name="Rectangle 2">
+            <a:extLst>
+              <a:ext uri="{FF2B5EF4-FFF2-40B4-BE49-F238E27FC236}">
+                <a16:creationId xmlns:a16="http://schemas.microsoft.com/office/drawing/2014/main" id="{A6DC71DB-37BC-8142-A89B-0573B23942D8}"/>
+              </a:ext>
+            </a:extLst>
+          </p:cNvPr>
+          <p:cNvSpPr/>
+          <p:nvPr/>
+        </p:nvSpPr>
+        <p:spPr>
+          <a:xfrm>
+            <a:off x="3648440" y="5425402"/>
+            <a:ext cx="4644926" cy="369332"/>
           </a:xfrm>
           <a:prstGeom prst="rect">
             <a:avLst/>
           </a:prstGeom>
         </p:spPr>
-      </p:pic>
-      <p:sp>
-        <p:nvSpPr>
-          <p:cNvPr id="8" name="TextBox 7">
+        <p:txBody>
+          <a:bodyPr wrap="none">
+            <a:spAutoFit/>
+          </a:bodyPr>
+          <a:lstStyle/>
+          <a:p>
+            <a:r>
+              <a:rPr lang="en-US" dirty="0"/>
+              <a:t>Demos will be the first Thursday of each sprint. </a:t>
+            </a:r>
+          </a:p>
+        </p:txBody>
+      </p:sp>
+    </p:spTree>
+    <p:extLst>
+      <p:ext uri="{BB962C8B-B14F-4D97-AF65-F5344CB8AC3E}">
+        <p14:creationId xmlns:p14="http://schemas.microsoft.com/office/powerpoint/2010/main" val="4186897598"/>
+      </p:ext>
+    </p:extLst>
+  </p:cSld>
+  <p:clrMapOvr>
+    <a:masterClrMapping/>
+  </p:clrMapOvr>
+</p:sld>
+</file>
+
+<file path=ppt/slides/slide5.xml><?xml version="1.0" encoding="utf-8"?>
+<p:sld xmlns:a="http://schemas.openxmlformats.org/drawingml/2006/main" xmlns:r="http://schemas.openxmlformats.org/officeDocument/2006/relationships" xmlns:p="http://schemas.openxmlformats.org/presentationml/2006/main">
+  <p:cSld>
+    <p:spTree>
+      <p:nvGrpSpPr>
+        <p:cNvPr id="1" name=""/>
+        <p:cNvGrpSpPr/>
+        <p:nvPr/>
+      </p:nvGrpSpPr>
+      <p:grpSpPr>
+        <a:xfrm>
+          <a:off x="0" y="0"/>
+          <a:ext cx="0" cy="0"/>
+          <a:chOff x="0" y="0"/>
+          <a:chExt cx="0" cy="0"/>
+        </a:xfrm>
+      </p:grpSpPr>
+      <p:sp>
+        <p:nvSpPr>
+          <p:cNvPr id="2" name="Title 1"/>
+          <p:cNvSpPr>
+            <a:spLocks noGrp="1"/>
+          </p:cNvSpPr>
+          <p:nvPr>
+            <p:ph type="ctrTitle"/>
+          </p:nvPr>
+        </p:nvSpPr>
+        <p:spPr>
+          <a:xfrm>
+            <a:off x="1524000" y="3051480"/>
+            <a:ext cx="9144000" cy="755040"/>
+          </a:xfrm>
+        </p:spPr>
+        <p:txBody>
+          <a:bodyPr anchor="ctr">
+            <a:normAutofit fontScale="90000"/>
+          </a:bodyPr>
+          <a:lstStyle/>
+          <a:p>
+            <a:r>
+              <a:rPr lang="en-US" sz="4800" dirty="0"/>
+              <a:t>Browse to</a:t>
+            </a:r>
+            <a:br>
+              <a:rPr lang="en-US" sz="4800" dirty="0"/>
+            </a:br>
+            <a:r>
+              <a:rPr lang="en-US" sz="4800" dirty="0"/>
+              <a:t>“</a:t>
+            </a:r>
+            <a:r>
+              <a:rPr lang="en-US" sz="4800" dirty="0" err="1"/>
+              <a:t>join.me</a:t>
+            </a:r>
+            <a:r>
+              <a:rPr lang="en-US" sz="4800" dirty="0"/>
+              <a:t>/</a:t>
+            </a:r>
+            <a:r>
+              <a:rPr lang="en-US" sz="4800" dirty="0" err="1"/>
+              <a:t>ericjpogue</a:t>
+            </a:r>
+            <a:r>
+              <a:rPr lang="en-US" sz="4800" dirty="0"/>
+              <a:t>”</a:t>
+            </a:r>
+          </a:p>
+        </p:txBody>
+      </p:sp>
+    </p:spTree>
+    <p:extLst>
+      <p:ext uri="{BB962C8B-B14F-4D97-AF65-F5344CB8AC3E}">
+        <p14:creationId xmlns:p14="http://schemas.microsoft.com/office/powerpoint/2010/main" val="1083335476"/>
+      </p:ext>
+    </p:extLst>
+  </p:cSld>
+  <p:clrMapOvr>
+    <a:masterClrMapping/>
+  </p:clrMapOvr>
+</p:sld>
+</file>
+
+<file path=ppt/slides/slide6.xml><?xml version="1.0" encoding="utf-8"?>
+<p:sld xmlns:a="http://schemas.openxmlformats.org/drawingml/2006/main" xmlns:r="http://schemas.openxmlformats.org/officeDocument/2006/relationships" xmlns:p="http://schemas.openxmlformats.org/presentationml/2006/main">
+  <p:cSld>
+    <p:spTree>
+      <p:nvGrpSpPr>
+        <p:cNvPr id="1" name=""/>
+        <p:cNvGrpSpPr/>
+        <p:nvPr/>
+      </p:nvGrpSpPr>
+      <p:grpSpPr>
+        <a:xfrm>
+          <a:off x="0" y="0"/>
+          <a:ext cx="0" cy="0"/>
+          <a:chOff x="0" y="0"/>
+          <a:chExt cx="0" cy="0"/>
+        </a:xfrm>
+      </p:grpSpPr>
+      <p:sp>
+        <p:nvSpPr>
+          <p:cNvPr id="2" name="Title 1">
             <a:extLst>
               <a:ext uri="{FF2B5EF4-FFF2-40B4-BE49-F238E27FC236}">
-                <a16:creationId xmlns:a16="http://schemas.microsoft.com/office/drawing/2014/main" id="{24B0F564-56B6-4C5C-B0C1-1AF4213D17D6}"/>
+                <a16:creationId xmlns:a16="http://schemas.microsoft.com/office/drawing/2014/main" id="{2A5755BE-860E-40EB-ADA6-6E82BCB49EC3}"/>
               </a:ext>
             </a:extLst>
           </p:cNvPr>
-          <p:cNvSpPr txBox="1"/>
+          <p:cNvSpPr>
+            <a:spLocks noGrp="1"/>
+          </p:cNvSpPr>
+          <p:nvPr>
+            <p:ph type="title"/>
+          </p:nvPr>
+        </p:nvSpPr>
+        <p:spPr/>
+        <p:txBody>
+          <a:bodyPr>
+            <a:normAutofit/>
+          </a:bodyPr>
+          <a:lstStyle/>
+          <a:p>
+            <a:r>
+              <a:rPr lang="en-US" sz="3600" dirty="0"/>
+              <a:t>Demos </a:t>
+            </a:r>
+          </a:p>
+        </p:txBody>
+      </p:sp>
+      <p:graphicFrame>
+        <p:nvGraphicFramePr>
+          <p:cNvPr id="7" name="Object 6">
+            <a:extLst>
+              <a:ext uri="{FF2B5EF4-FFF2-40B4-BE49-F238E27FC236}">
+                <a16:creationId xmlns:a16="http://schemas.microsoft.com/office/drawing/2014/main" id="{7A9F5467-3A8F-A645-9E5B-18FFCE79F122}"/>
+              </a:ext>
+            </a:extLst>
+          </p:cNvPr>
+          <p:cNvGraphicFramePr>
+            <a:graphicFrameLocks noChangeAspect="1"/>
+          </p:cNvGraphicFramePr>
+          <p:nvPr>
+            <p:extLst>
+              <p:ext uri="{D42A27DB-BD31-4B8C-83A1-F6EECF244321}">
+                <p14:modId xmlns:p14="http://schemas.microsoft.com/office/powerpoint/2010/main" val="787742609"/>
+              </p:ext>
+            </p:extLst>
+          </p:nvPr>
+        </p:nvGraphicFramePr>
+        <p:xfrm>
+          <a:off x="3708400" y="1731963"/>
+          <a:ext cx="4775200" cy="3390900"/>
+        </p:xfrm>
+        <a:graphic>
+          <a:graphicData uri="http://schemas.openxmlformats.org/presentationml/2006/ole">
+            <mc:AlternateContent xmlns:mc="http://schemas.openxmlformats.org/markup-compatibility/2006">
+              <mc:Choice xmlns:v="urn:schemas-microsoft-com:vml" Requires="v">
+                <p:oleObj spid="_x0000_s3079" name="Worksheet" r:id="rId4" imgW="4775200" imgH="3390900" progId="Excel.Sheet.8">
+                  <p:embed/>
+                </p:oleObj>
+              </mc:Choice>
+              <mc:Fallback>
+                <p:oleObj name="Worksheet" r:id="rId4" imgW="4775200" imgH="3390900" progId="Excel.Sheet.8">
+                  <p:embed/>
+                  <p:pic>
+                    <p:nvPicPr>
+                      <p:cNvPr id="7" name="Object 6">
+                        <a:extLst>
+                          <a:ext uri="{FF2B5EF4-FFF2-40B4-BE49-F238E27FC236}">
+                            <a16:creationId xmlns:a16="http://schemas.microsoft.com/office/drawing/2014/main" id="{7A9F5467-3A8F-A645-9E5B-18FFCE79F122}"/>
+                          </a:ext>
+                        </a:extLst>
+                      </p:cNvPr>
+                      <p:cNvPicPr/>
+                      <p:nvPr/>
+                    </p:nvPicPr>
+                    <p:blipFill>
+                      <a:blip r:embed="rId5"/>
+                      <a:stretch>
+                        <a:fillRect/>
+                      </a:stretch>
+                    </p:blipFill>
+                    <p:spPr>
+                      <a:xfrm>
+                        <a:off x="3708400" y="1731963"/>
+                        <a:ext cx="4775200" cy="3390900"/>
+                      </a:xfrm>
+                      <a:prstGeom prst="rect">
+                        <a:avLst/>
+                      </a:prstGeom>
+                    </p:spPr>
+                  </p:pic>
+                </p:oleObj>
+              </mc:Fallback>
+            </mc:AlternateContent>
+          </a:graphicData>
+        </a:graphic>
+      </p:graphicFrame>
+      <p:sp>
+        <p:nvSpPr>
+          <p:cNvPr id="3" name="Rectangle 2">
+            <a:extLst>
+              <a:ext uri="{FF2B5EF4-FFF2-40B4-BE49-F238E27FC236}">
+                <a16:creationId xmlns:a16="http://schemas.microsoft.com/office/drawing/2014/main" id="{A6DC71DB-37BC-8142-A89B-0573B23942D8}"/>
+              </a:ext>
+            </a:extLst>
+          </p:cNvPr>
+          <p:cNvSpPr/>
           <p:nvPr/>
         </p:nvSpPr>
         <p:spPr>
           <a:xfrm>
-            <a:off x="8004132" y="5748128"/>
-            <a:ext cx="2843408" cy="369332"/>
+            <a:off x="3648440" y="5425402"/>
+            <a:ext cx="4644926" cy="369332"/>
           </a:xfrm>
           <a:prstGeom prst="rect">
             <a:avLst/>
           </a:prstGeom>
-          <a:noFill/>
         </p:spPr>
         <p:txBody>
-          <a:bodyPr wrap="square" rtlCol="0">
+          <a:bodyPr wrap="none">
             <a:spAutoFit/>
           </a:bodyPr>
           <a:lstStyle/>
           <a:p>
             <a:r>
               <a:rPr lang="en-US" dirty="0"/>
-              <a:t>Internet Protocol Suite </a:t>
-            </a:r>
-            <a:r>
-              <a:rPr lang="en-US" dirty="0">
-                <a:hlinkClick r:id="rId10"/>
-              </a:rPr>
-              <a:t>[link]</a:t>
-            </a:r>
-            <a:endParaRPr lang="en-US" dirty="0"/>
+              <a:t>Demos will be the first Thursday of each sprint. </a:t>
+            </a:r>
           </a:p>
         </p:txBody>
       </p:sp>
     </p:spTree>
     <p:extLst>
       <p:ext uri="{BB962C8B-B14F-4D97-AF65-F5344CB8AC3E}">
-        <p14:creationId xmlns:p14="http://schemas.microsoft.com/office/powerpoint/2010/main" val="1207687763"/>
+        <p14:creationId xmlns:p14="http://schemas.microsoft.com/office/powerpoint/2010/main" val="2958546404"/>
+      </p:ext>
+    </p:extLst>
+  </p:cSld>
+  <p:clrMapOvr>
+    <a:masterClrMapping/>
+  </p:clrMapOvr>
+</p:sld>
+</file>
+
+<file path=ppt/slides/slide7.xml><?xml version="1.0" encoding="utf-8"?>
+<p:sld xmlns:a="http://schemas.openxmlformats.org/drawingml/2006/main" xmlns:r="http://schemas.openxmlformats.org/officeDocument/2006/relationships" xmlns:p="http://schemas.openxmlformats.org/presentationml/2006/main">
+  <p:cSld>
+    <p:spTree>
+      <p:nvGrpSpPr>
+        <p:cNvPr id="1" name=""/>
+        <p:cNvGrpSpPr/>
+        <p:nvPr/>
+      </p:nvGrpSpPr>
+      <p:grpSpPr>
+        <a:xfrm>
+          <a:off x="0" y="0"/>
+          <a:ext cx="0" cy="0"/>
+          <a:chOff x="0" y="0"/>
+          <a:chExt cx="0" cy="0"/>
+        </a:xfrm>
+      </p:grpSpPr>
+      <p:sp>
+        <p:nvSpPr>
+          <p:cNvPr id="2" name="Title 1"/>
+          <p:cNvSpPr>
+            <a:spLocks noGrp="1"/>
+          </p:cNvSpPr>
+          <p:nvPr>
+            <p:ph type="ctrTitle"/>
+          </p:nvPr>
+        </p:nvSpPr>
+        <p:spPr>
+          <a:xfrm>
+            <a:off x="1524000" y="3051480"/>
+            <a:ext cx="9144000" cy="755040"/>
+          </a:xfrm>
+        </p:spPr>
+        <p:txBody>
+          <a:bodyPr anchor="ctr">
+            <a:normAutofit/>
+          </a:bodyPr>
+          <a:lstStyle/>
+          <a:p>
+            <a:r>
+              <a:rPr lang="en-US" sz="4000" dirty="0"/>
+              <a:t>Friendly Conversation Topic</a:t>
+            </a:r>
+          </a:p>
+        </p:txBody>
+      </p:sp>
+    </p:spTree>
+    <p:extLst>
+      <p:ext uri="{BB962C8B-B14F-4D97-AF65-F5344CB8AC3E}">
+        <p14:creationId xmlns:p14="http://schemas.microsoft.com/office/powerpoint/2010/main" val="818633644"/>
+      </p:ext>
+    </p:extLst>
+  </p:cSld>
+  <p:clrMapOvr>
+    <a:masterClrMapping/>
+  </p:clrMapOvr>
+</p:sld>
+</file>
+
+<file path=ppt/slides/slide8.xml><?xml version="1.0" encoding="utf-8"?>
+<p:sld xmlns:a="http://schemas.openxmlformats.org/drawingml/2006/main" xmlns:r="http://schemas.openxmlformats.org/officeDocument/2006/relationships" xmlns:p="http://schemas.openxmlformats.org/presentationml/2006/main">
+  <p:cSld>
+    <p:spTree>
+      <p:nvGrpSpPr>
+        <p:cNvPr id="1" name=""/>
+        <p:cNvGrpSpPr/>
+        <p:nvPr/>
+      </p:nvGrpSpPr>
+      <p:grpSpPr>
+        <a:xfrm>
+          <a:off x="0" y="0"/>
+          <a:ext cx="0" cy="0"/>
+          <a:chOff x="0" y="0"/>
+          <a:chExt cx="0" cy="0"/>
+        </a:xfrm>
+      </p:grpSpPr>
+      <p:sp>
+        <p:nvSpPr>
+          <p:cNvPr id="2" name="Title 1"/>
+          <p:cNvSpPr>
+            <a:spLocks noGrp="1"/>
+          </p:cNvSpPr>
+          <p:nvPr>
+            <p:ph type="ctrTitle"/>
+          </p:nvPr>
+        </p:nvSpPr>
+        <p:spPr>
+          <a:xfrm>
+            <a:off x="1524000" y="3025490"/>
+            <a:ext cx="9144000" cy="807019"/>
+          </a:xfrm>
+        </p:spPr>
+        <p:txBody>
+          <a:bodyPr anchor="ctr">
+            <a:noAutofit/>
+          </a:bodyPr>
+          <a:lstStyle/>
+          <a:p>
+            <a:pPr>
+              <a:spcBef>
+                <a:spcPts val="300"/>
+              </a:spcBef>
+            </a:pPr>
+            <a:r>
+              <a:rPr lang="en-US" sz="4000" dirty="0"/>
+              <a:t>Network Architecture &amp; Protocols – Part 3</a:t>
+            </a:r>
+          </a:p>
+        </p:txBody>
+      </p:sp>
+    </p:spTree>
+    <p:extLst>
+      <p:ext uri="{BB962C8B-B14F-4D97-AF65-F5344CB8AC3E}">
+        <p14:creationId xmlns:p14="http://schemas.microsoft.com/office/powerpoint/2010/main" val="206383728"/>
       </p:ext>
     </p:extLst>
   </p:cSld>
@@ -7956,7 +8727,7 @@
           <a:p>
             <a:r>
               <a:rPr lang="en-US" sz="3600" dirty="0"/>
-              <a:t>Network Architecture – Back to the Future </a:t>
+              <a:t>Network Architecture – The Internet</a:t>
             </a:r>
           </a:p>
         </p:txBody>
@@ -8158,7 +8929,7 @@
             </a:pPr>
             <a:r>
               <a:rPr lang="en-US" sz="2000" dirty="0"/>
-              <a:t>Web Services </a:t>
+              <a:t>The Internet </a:t>
             </a:r>
             <a:r>
               <a:rPr lang="en-US" sz="2000" dirty="0">
@@ -8172,18 +8943,15 @@
             <a:pPr marL="0" indent="0">
               <a:buNone/>
             </a:pPr>
+            <a:endParaRPr lang="en-US" sz="2000" dirty="0"/>
+          </a:p>
+          <a:p>
+            <a:pPr marL="0" indent="0">
+              <a:buNone/>
+            </a:pPr>
             <a:r>
               <a:rPr lang="en-US" sz="2000" dirty="0"/>
-              <a:t>    …SOA (service-oriented architecture) version 2 [link]</a:t>
-            </a:r>
-          </a:p>
-          <a:p>
-            <a:pPr marL="0" indent="0">
-              <a:buNone/>
-            </a:pPr>
-            <a:r>
-              <a:rPr lang="en-US" sz="2000" dirty="0"/>
-              <a:t>JSON (JavaScript Object Notation) </a:t>
+              <a:t>IP (Internet Protocol) </a:t>
             </a:r>
             <a:r>
               <a:rPr lang="en-US" sz="2000" dirty="0">
@@ -8197,9 +8965,15 @@
             <a:pPr marL="0" indent="0">
               <a:buNone/>
             </a:pPr>
+            <a:endParaRPr lang="en-US" sz="2000" dirty="0"/>
+          </a:p>
+          <a:p>
+            <a:pPr marL="0" indent="0">
+              <a:buNone/>
+            </a:pPr>
             <a:r>
               <a:rPr lang="en-US" sz="2000" dirty="0"/>
-              <a:t>REST (Representational State Transfer) </a:t>
+              <a:t>TCP (Transmission Control Protocol) </a:t>
             </a:r>
             <a:r>
               <a:rPr lang="en-US" sz="2000" dirty="0">
@@ -8213,7 +8987,10 @@
             <a:pPr marL="0" indent="0">
               <a:buNone/>
             </a:pPr>
-            <a:endParaRPr lang="en-US" sz="2000" dirty="0"/>
+            <a:r>
+              <a:rPr lang="en-US" sz="2000" dirty="0"/>
+              <a:t>TCP/IP </a:t>
+            </a:r>
           </a:p>
           <a:p>
             <a:pPr marL="0" indent="0">
@@ -8226,28 +9003,45 @@
               <a:buNone/>
             </a:pPr>
             <a:r>
-              <a:rPr lang="en-US" sz="2000" dirty="0" err="1"/>
-              <a:t>gRPC</a:t>
-            </a:r>
-            <a:r>
               <a:rPr lang="en-US" sz="2000" dirty="0"/>
-              <a:t> </a:t>
+              <a:t>UDP (User Datagram Protocol) </a:t>
             </a:r>
             <a:r>
               <a:rPr lang="en-US" sz="2000" dirty="0">
                 <a:hlinkClick r:id="rId6"/>
               </a:rPr>
-              <a:t>[link]</a:t>
-            </a:r>
+              <a:t>[link] </a:t>
+            </a:r>
+            <a:endParaRPr lang="en-US" sz="2000" dirty="0"/>
+          </a:p>
+          <a:p>
+            <a:pPr marL="0" indent="0">
+              <a:buNone/>
+            </a:pPr>
             <a:r>
               <a:rPr lang="en-US" sz="2000" dirty="0"/>
-              <a:t> Or </a:t>
+              <a:t>UDP/IP</a:t>
+            </a:r>
+          </a:p>
+          <a:p>
+            <a:pPr marL="0" indent="0">
+              <a:buNone/>
+            </a:pPr>
+            <a:endParaRPr lang="en-US" sz="2000" dirty="0"/>
+          </a:p>
+          <a:p>
+            <a:pPr marL="0" indent="0">
+              <a:buNone/>
+            </a:pPr>
+            <a:r>
+              <a:rPr lang="en-US" sz="2000" dirty="0"/>
+              <a:t>TCP/IP or UDP/IP Socket </a:t>
             </a:r>
             <a:r>
               <a:rPr lang="en-US" sz="2000" dirty="0">
                 <a:hlinkClick r:id="rId7"/>
               </a:rPr>
-              <a:t>https://grpc.io/faq/</a:t>
+              <a:t>[link]</a:t>
             </a:r>
             <a:endParaRPr lang="en-US" sz="2000" dirty="0"/>
           </a:p>
@@ -8255,47 +9049,9 @@
             <a:pPr marL="0" indent="0">
               <a:buNone/>
             </a:pPr>
-            <a:endParaRPr lang="en-US" sz="2000" dirty="0"/>
-          </a:p>
-          <a:p>
-            <a:pPr marL="0" indent="0">
-              <a:buNone/>
-            </a:pPr>
-            <a:endParaRPr lang="en-US" sz="2000" dirty="0"/>
-          </a:p>
-          <a:p>
-            <a:pPr marL="0" indent="0">
-              <a:buNone/>
-            </a:pPr>
             <a:r>
               <a:rPr lang="en-US" sz="2000" dirty="0"/>
-              <a:t>REST vs </a:t>
-            </a:r>
-            <a:r>
-              <a:rPr lang="en-US" sz="2000" dirty="0" err="1"/>
-              <a:t>gRPC</a:t>
-            </a:r>
-            <a:r>
-              <a:rPr lang="en-US" sz="2000" dirty="0"/>
-              <a:t> </a:t>
-            </a:r>
-          </a:p>
-          <a:p>
-            <a:pPr>
-              <a:buFont typeface="Wingdings" panose="05000000000000000000" pitchFamily="2" charset="2"/>
-              <a:buChar char="§"/>
-            </a:pPr>
-            <a:r>
-              <a:rPr lang="en-US" sz="2000" dirty="0"/>
-              <a:t>REST vs. </a:t>
-            </a:r>
-            <a:r>
-              <a:rPr lang="en-US" sz="2000" dirty="0" err="1"/>
-              <a:t>gRPC</a:t>
-            </a:r>
-            <a:r>
-              <a:rPr lang="en-US" sz="2000" dirty="0"/>
-              <a:t>: Battle of the APIs </a:t>
+              <a:t>TCP and UDP Protocols &amp; Port Numbers </a:t>
             </a:r>
             <a:r>
               <a:rPr lang="en-US" sz="2000" dirty="0">
@@ -8305,42 +9061,14 @@
             </a:r>
             <a:endParaRPr lang="en-US" sz="2000" dirty="0"/>
           </a:p>
-          <a:p>
-            <a:pPr>
-              <a:buFont typeface="Wingdings" panose="05000000000000000000" pitchFamily="2" charset="2"/>
-              <a:buChar char="§"/>
-            </a:pPr>
-            <a:r>
-              <a:rPr lang="en-US" sz="2000" dirty="0"/>
-              <a:t>Evaluating Performance of REST vs. </a:t>
-            </a:r>
-            <a:r>
-              <a:rPr lang="en-US" sz="2000" dirty="0" err="1"/>
-              <a:t>gRPC</a:t>
-            </a:r>
-            <a:r>
-              <a:rPr lang="en-US" sz="2000" dirty="0"/>
-              <a:t> </a:t>
-            </a:r>
-            <a:r>
-              <a:rPr lang="en-US" sz="2000" dirty="0">
-                <a:hlinkClick r:id="rId9"/>
-              </a:rPr>
-              <a:t>[link]</a:t>
-            </a:r>
-            <a:r>
-              <a:rPr lang="en-US" sz="2000" dirty="0"/>
-              <a:t>  </a:t>
-            </a:r>
-          </a:p>
         </p:txBody>
       </p:sp>
       <p:pic>
         <p:nvPicPr>
-          <p:cNvPr id="5" name="Picture 4">
+          <p:cNvPr id="3" name="Picture 2">
             <a:extLst>
               <a:ext uri="{FF2B5EF4-FFF2-40B4-BE49-F238E27FC236}">
-                <a16:creationId xmlns:a16="http://schemas.microsoft.com/office/drawing/2014/main" id="{E51FC054-0B24-4CFD-B5CC-ADC37DA85061}"/>
+                <a16:creationId xmlns:a16="http://schemas.microsoft.com/office/drawing/2014/main" id="{EB9E2CFF-2E53-4E08-B47B-2E03CBDC1E36}"/>
               </a:ext>
             </a:extLst>
           </p:cNvPr>
@@ -8350,73 +9078,106 @@
           <p:nvPr/>
         </p:nvPicPr>
         <p:blipFill>
-          <a:blip r:embed="rId10"/>
+          <a:blip r:embed="rId9"/>
           <a:stretch>
             <a:fillRect/>
           </a:stretch>
         </p:blipFill>
         <p:spPr>
           <a:xfrm>
-            <a:off x="7604538" y="1061323"/>
-            <a:ext cx="3650098" cy="4569125"/>
+            <a:off x="6558967" y="1425197"/>
+            <a:ext cx="5400726" cy="4007606"/>
           </a:xfrm>
           <a:prstGeom prst="rect">
             <a:avLst/>
           </a:prstGeom>
         </p:spPr>
       </p:pic>
-      <p:sp>
-        <p:nvSpPr>
-          <p:cNvPr id="6" name="TextBox 5">
-            <a:extLst>
-              <a:ext uri="{FF2B5EF4-FFF2-40B4-BE49-F238E27FC236}">
-                <a16:creationId xmlns:a16="http://schemas.microsoft.com/office/drawing/2014/main" id="{2F930956-2EDD-4146-85BF-6182A3CEB693}"/>
-              </a:ext>
-            </a:extLst>
-          </p:cNvPr>
-          <p:cNvSpPr txBox="1"/>
-          <p:nvPr/>
-        </p:nvSpPr>
-        <p:spPr>
-          <a:xfrm>
-            <a:off x="8004132" y="5748128"/>
-            <a:ext cx="2843408" cy="369332"/>
-          </a:xfrm>
-          <a:prstGeom prst="rect">
-            <a:avLst/>
-          </a:prstGeom>
-          <a:noFill/>
-        </p:spPr>
-        <p:txBody>
-          <a:bodyPr wrap="square" rtlCol="0">
-            <a:spAutoFit/>
-          </a:bodyPr>
-          <a:lstStyle/>
-          <a:p>
-            <a:r>
-              <a:rPr lang="en-US" dirty="0"/>
-              <a:t>Internet Protocol Suite </a:t>
-            </a:r>
-            <a:r>
-              <a:rPr lang="en-US" dirty="0">
-                <a:hlinkClick r:id="rId11"/>
-              </a:rPr>
-              <a:t>[link]</a:t>
-            </a:r>
-            <a:endParaRPr lang="en-US" dirty="0"/>
-          </a:p>
-        </p:txBody>
-      </p:sp>
     </p:spTree>
     <p:extLst>
       <p:ext uri="{BB962C8B-B14F-4D97-AF65-F5344CB8AC3E}">
-        <p14:creationId xmlns:p14="http://schemas.microsoft.com/office/powerpoint/2010/main" val="2355008310"/>
+        <p14:creationId xmlns:p14="http://schemas.microsoft.com/office/powerpoint/2010/main" val="3828561259"/>
       </p:ext>
     </p:extLst>
   </p:cSld>
   <p:clrMapOvr>
     <a:masterClrMapping/>
   </p:clrMapOvr>
+  <p:timing>
+    <p:tnLst>
+      <p:par>
+        <p:cTn id="1" dur="indefinite" restart="never" nodeType="tmRoot">
+          <p:childTnLst>
+            <p:seq concurrent="1" nextAc="seek">
+              <p:cTn id="2" dur="indefinite" nodeType="mainSeq">
+                <p:childTnLst>
+                  <p:par>
+                    <p:cTn id="3" fill="hold">
+                      <p:stCondLst>
+                        <p:cond delay="indefinite"/>
+                      </p:stCondLst>
+                      <p:childTnLst>
+                        <p:par>
+                          <p:cTn id="4" fill="hold">
+                            <p:stCondLst>
+                              <p:cond delay="0"/>
+                            </p:stCondLst>
+                            <p:childTnLst>
+                              <p:par>
+                                <p:cTn id="5" presetID="1" presetClass="entr" presetSubtype="0" fill="hold" nodeType="clickEffect">
+                                  <p:stCondLst>
+                                    <p:cond delay="0"/>
+                                  </p:stCondLst>
+                                  <p:childTnLst>
+                                    <p:set>
+                                      <p:cBhvr>
+                                        <p:cTn id="6" dur="1" fill="hold">
+                                          <p:stCondLst>
+                                            <p:cond delay="0"/>
+                                          </p:stCondLst>
+                                        </p:cTn>
+                                        <p:tgtEl>
+                                          <p:spTgt spid="3"/>
+                                        </p:tgtEl>
+                                        <p:attrNameLst>
+                                          <p:attrName>style.visibility</p:attrName>
+                                        </p:attrNameLst>
+                                      </p:cBhvr>
+                                      <p:to>
+                                        <p:strVal val="visible"/>
+                                      </p:to>
+                                    </p:set>
+                                  </p:childTnLst>
+                                </p:cTn>
+                              </p:par>
+                            </p:childTnLst>
+                          </p:cTn>
+                        </p:par>
+                      </p:childTnLst>
+                    </p:cTn>
+                  </p:par>
+                </p:childTnLst>
+              </p:cTn>
+              <p:prevCondLst>
+                <p:cond evt="onPrev" delay="0">
+                  <p:tgtEl>
+                    <p:sldTgt/>
+                  </p:tgtEl>
+                </p:cond>
+              </p:prevCondLst>
+              <p:nextCondLst>
+                <p:cond evt="onNext" delay="0">
+                  <p:tgtEl>
+                    <p:sldTgt/>
+                  </p:tgtEl>
+                </p:cond>
+              </p:nextCondLst>
+            </p:seq>
+          </p:childTnLst>
+        </p:cTn>
+      </p:par>
+    </p:tnLst>
+  </p:timing>
 </p:sld>
 </file>
 
